--- a/IO.pptx
+++ b/IO.pptx
@@ -8,9 +8,12 @@
     <p:sldId id="256" r:id="rId2"/>
     <p:sldId id="257" r:id="rId3"/>
     <p:sldId id="258" r:id="rId4"/>
-    <p:sldId id="259" r:id="rId5"/>
-    <p:sldId id="260" r:id="rId6"/>
-    <p:sldId id="261" r:id="rId7"/>
+    <p:sldId id="261" r:id="rId5"/>
+    <p:sldId id="259" r:id="rId6"/>
+    <p:sldId id="260" r:id="rId7"/>
+    <p:sldId id="263" r:id="rId8"/>
+    <p:sldId id="265" r:id="rId9"/>
+    <p:sldId id="262" r:id="rId10"/>
   </p:sldIdLst>
   <p:sldSz cx="9144000" cy="6858000" type="screen4x3"/>
   <p:notesSz cx="6858000" cy="9144000"/>
@@ -3052,63 +3055,125 @@
         </p:nvSpPr>
         <p:spPr/>
         <p:txBody>
+          <a:bodyPr>
+            <a:normAutofit/>
+          </a:bodyPr>
+          <a:lstStyle/>
+          <a:p>
+            <a:r>
+              <a:rPr lang="en-US" altLang="zh-CN" sz="6000" dirty="0" smtClean="0">
+                <a:latin typeface="微软雅黑" panose="020B0503020204020204" pitchFamily="34" charset="-122"/>
+                <a:ea typeface="微软雅黑" panose="020B0503020204020204" pitchFamily="34" charset="-122"/>
+              </a:rPr>
+              <a:t>IO</a:t>
+            </a:r>
+            <a:endParaRPr lang="zh-CN" altLang="en-US" sz="6000" dirty="0">
+              <a:latin typeface="微软雅黑" panose="020B0503020204020204" pitchFamily="34" charset="-122"/>
+              <a:ea typeface="微软雅黑" panose="020B0503020204020204" pitchFamily="34" charset="-122"/>
+            </a:endParaRPr>
+          </a:p>
+        </p:txBody>
+      </p:sp>
+      <p:sp>
+        <p:nvSpPr>
+          <p:cNvPr id="3" name="副标题 2"/>
+          <p:cNvSpPr>
+            <a:spLocks noGrp="1"/>
+          </p:cNvSpPr>
+          <p:nvPr>
+            <p:ph type="subTitle" idx="1"/>
+          </p:nvPr>
+        </p:nvSpPr>
+        <p:spPr/>
+        <p:txBody>
           <a:bodyPr/>
           <a:lstStyle/>
           <a:p>
             <a:r>
-              <a:rPr lang="en-US" altLang="zh-CN" dirty="0" smtClean="0"/>
+              <a:rPr lang="en-US" altLang="zh-CN" dirty="0">
+                <a:solidFill>
+                  <a:schemeClr val="tx1"/>
+                </a:solidFill>
+                <a:latin typeface="微软雅黑" panose="020B0503020204020204" pitchFamily="34" charset="-122"/>
+                <a:ea typeface="微软雅黑" panose="020B0503020204020204" pitchFamily="34" charset="-122"/>
+              </a:rPr>
+              <a:t>3</a:t>
+            </a:r>
+            <a:r>
+              <a:rPr lang="zh-CN" altLang="en-US" dirty="0" smtClean="0">
+                <a:solidFill>
+                  <a:schemeClr val="tx1"/>
+                </a:solidFill>
+                <a:latin typeface="微软雅黑" panose="020B0503020204020204" pitchFamily="34" charset="-122"/>
+                <a:ea typeface="微软雅黑" panose="020B0503020204020204" pitchFamily="34" charset="-122"/>
+              </a:rPr>
+              <a:t>种</a:t>
+            </a:r>
+            <a:r>
+              <a:rPr lang="en-US" altLang="zh-CN" dirty="0" smtClean="0">
+                <a:solidFill>
+                  <a:schemeClr val="tx1"/>
+                </a:solidFill>
+                <a:latin typeface="微软雅黑" panose="020B0503020204020204" pitchFamily="34" charset="-122"/>
+                <a:ea typeface="微软雅黑" panose="020B0503020204020204" pitchFamily="34" charset="-122"/>
+              </a:rPr>
               <a:t>IO</a:t>
             </a:r>
-            <a:endParaRPr lang="zh-CN" altLang="en-US" dirty="0"/>
-          </a:p>
-        </p:txBody>
-      </p:sp>
-      <p:sp>
-        <p:nvSpPr>
-          <p:cNvPr id="3" name="副标题 2"/>
-          <p:cNvSpPr>
-            <a:spLocks noGrp="1"/>
-          </p:cNvSpPr>
-          <p:nvPr>
-            <p:ph type="subTitle" idx="1"/>
-          </p:nvPr>
-        </p:nvSpPr>
-        <p:spPr/>
-        <p:txBody>
-          <a:bodyPr/>
-          <a:lstStyle/>
-          <a:p>
-            <a:r>
-              <a:rPr lang="en-US" altLang="zh-CN" dirty="0" smtClean="0"/>
-              <a:t>5</a:t>
-            </a:r>
-            <a:r>
-              <a:rPr lang="zh-CN" altLang="en-US" dirty="0" smtClean="0"/>
-              <a:t>种</a:t>
-            </a:r>
-            <a:r>
-              <a:rPr lang="en-US" altLang="zh-CN" dirty="0" smtClean="0"/>
-              <a:t>IO</a:t>
-            </a:r>
-            <a:r>
-              <a:rPr lang="zh-CN" altLang="en-US" dirty="0" smtClean="0"/>
+            <a:r>
+              <a:rPr lang="zh-CN" altLang="en-US" dirty="0" smtClean="0">
+                <a:solidFill>
+                  <a:schemeClr val="tx1"/>
+                </a:solidFill>
+                <a:latin typeface="微软雅黑" panose="020B0503020204020204" pitchFamily="34" charset="-122"/>
+                <a:ea typeface="微软雅黑" panose="020B0503020204020204" pitchFamily="34" charset="-122"/>
+              </a:rPr>
               <a:t>模型</a:t>
             </a:r>
-            <a:endParaRPr lang="en-US" altLang="zh-CN" dirty="0" smtClean="0"/>
-          </a:p>
-          <a:p>
-            <a:r>
-              <a:rPr lang="zh-CN" altLang="en-US" dirty="0" smtClean="0"/>
+            <a:endParaRPr lang="en-US" altLang="zh-CN" dirty="0" smtClean="0">
+              <a:solidFill>
+                <a:schemeClr val="tx1"/>
+              </a:solidFill>
+              <a:latin typeface="微软雅黑" panose="020B0503020204020204" pitchFamily="34" charset="-122"/>
+              <a:ea typeface="微软雅黑" panose="020B0503020204020204" pitchFamily="34" charset="-122"/>
+            </a:endParaRPr>
+          </a:p>
+          <a:p>
+            <a:r>
+              <a:rPr lang="zh-CN" altLang="en-US" dirty="0" smtClean="0">
+                <a:solidFill>
+                  <a:schemeClr val="tx1"/>
+                </a:solidFill>
+                <a:latin typeface="微软雅黑" panose="020B0503020204020204" pitchFamily="34" charset="-122"/>
+                <a:ea typeface="微软雅黑" panose="020B0503020204020204" pitchFamily="34" charset="-122"/>
+              </a:rPr>
               <a:t>同步与异步</a:t>
             </a:r>
-            <a:endParaRPr lang="en-US" altLang="zh-CN" dirty="0" smtClean="0"/>
-          </a:p>
-          <a:p>
-            <a:r>
-              <a:rPr lang="zh-CN" altLang="en-US" dirty="0" smtClean="0"/>
+            <a:endParaRPr lang="en-US" altLang="zh-CN" dirty="0" smtClean="0">
+              <a:solidFill>
+                <a:schemeClr val="tx1"/>
+              </a:solidFill>
+              <a:latin typeface="微软雅黑" panose="020B0503020204020204" pitchFamily="34" charset="-122"/>
+              <a:ea typeface="微软雅黑" panose="020B0503020204020204" pitchFamily="34" charset="-122"/>
+            </a:endParaRPr>
+          </a:p>
+          <a:p>
+            <a:r>
+              <a:rPr lang="zh-CN" altLang="en-US" dirty="0" smtClean="0">
+                <a:solidFill>
+                  <a:schemeClr val="tx1"/>
+                </a:solidFill>
+                <a:latin typeface="微软雅黑" panose="020B0503020204020204" pitchFamily="34" charset="-122"/>
+                <a:ea typeface="微软雅黑" panose="020B0503020204020204" pitchFamily="34" charset="-122"/>
+              </a:rPr>
               <a:t>阻塞与非阻塞</a:t>
             </a:r>
-            <a:endParaRPr lang="zh-CN" altLang="en-US" dirty="0"/>
+            <a:endParaRPr lang="zh-CN" altLang="en-US" dirty="0">
+              <a:solidFill>
+                <a:schemeClr val="tx1"/>
+              </a:solidFill>
+              <a:latin typeface="微软雅黑" panose="020B0503020204020204" pitchFamily="34" charset="-122"/>
+              <a:ea typeface="微软雅黑" panose="020B0503020204020204" pitchFamily="34" charset="-122"/>
+            </a:endParaRPr>
           </a:p>
         </p:txBody>
       </p:sp>
@@ -3160,48 +3225,98 @@
           <a:lstStyle/>
           <a:p>
             <a:r>
+              <a:rPr lang="en-US" altLang="zh-CN" dirty="0">
+                <a:latin typeface="微软雅黑" panose="020B0503020204020204" pitchFamily="34" charset="-122"/>
+                <a:ea typeface="微软雅黑" panose="020B0503020204020204" pitchFamily="34" charset="-122"/>
+              </a:rPr>
+              <a:t>3</a:t>
+            </a:r>
+            <a:r>
+              <a:rPr lang="zh-CN" altLang="en-US" dirty="0" smtClean="0">
+                <a:latin typeface="微软雅黑" panose="020B0503020204020204" pitchFamily="34" charset="-122"/>
+                <a:ea typeface="微软雅黑" panose="020B0503020204020204" pitchFamily="34" charset="-122"/>
+              </a:rPr>
+              <a:t>种</a:t>
+            </a:r>
+            <a:r>
+              <a:rPr lang="en-US" altLang="zh-CN" dirty="0">
+                <a:latin typeface="微软雅黑" panose="020B0503020204020204" pitchFamily="34" charset="-122"/>
+                <a:ea typeface="微软雅黑" panose="020B0503020204020204" pitchFamily="34" charset="-122"/>
+              </a:rPr>
+              <a:t>IO</a:t>
+            </a:r>
+            <a:r>
+              <a:rPr lang="zh-CN" altLang="en-US" dirty="0" smtClean="0">
+                <a:latin typeface="微软雅黑" panose="020B0503020204020204" pitchFamily="34" charset="-122"/>
+                <a:ea typeface="微软雅黑" panose="020B0503020204020204" pitchFamily="34" charset="-122"/>
+              </a:rPr>
+              <a:t>模型</a:t>
+            </a:r>
+            <a:endParaRPr lang="zh-CN" altLang="en-US" dirty="0">
+              <a:latin typeface="微软雅黑" panose="020B0503020204020204" pitchFamily="34" charset="-122"/>
+              <a:ea typeface="微软雅黑" panose="020B0503020204020204" pitchFamily="34" charset="-122"/>
+            </a:endParaRPr>
+          </a:p>
+        </p:txBody>
+      </p:sp>
+      <p:sp>
+        <p:nvSpPr>
+          <p:cNvPr id="3" name="内容占位符 2"/>
+          <p:cNvSpPr>
+            <a:spLocks noGrp="1"/>
+          </p:cNvSpPr>
+          <p:nvPr>
+            <p:ph idx="1"/>
+          </p:nvPr>
+        </p:nvSpPr>
+        <p:spPr/>
+        <p:txBody>
+          <a:bodyPr/>
+          <a:lstStyle/>
+          <a:p>
+            <a:r>
               <a:rPr lang="en-US" altLang="zh-CN" dirty="0"/>
-              <a:t>5</a:t>
-            </a:r>
-            <a:r>
-              <a:rPr lang="zh-CN" altLang="en-US" dirty="0"/>
-              <a:t>种</a:t>
-            </a:r>
-            <a:r>
-              <a:rPr lang="en-US" altLang="zh-CN" dirty="0"/>
-              <a:t>IO</a:t>
-            </a:r>
-            <a:r>
-              <a:rPr lang="zh-CN" altLang="en-US" dirty="0" smtClean="0"/>
-              <a:t>模型</a:t>
-            </a:r>
-            <a:endParaRPr lang="zh-CN" altLang="en-US" dirty="0"/>
-          </a:p>
-        </p:txBody>
-      </p:sp>
-      <p:sp>
-        <p:nvSpPr>
-          <p:cNvPr id="3" name="内容占位符 2"/>
-          <p:cNvSpPr>
-            <a:spLocks noGrp="1"/>
-          </p:cNvSpPr>
-          <p:nvPr>
-            <p:ph idx="1"/>
-          </p:nvPr>
-        </p:nvSpPr>
-        <p:spPr/>
-        <p:txBody>
-          <a:bodyPr/>
-          <a:lstStyle/>
-          <a:p>
+              <a:t>buffered I/O(</a:t>
+            </a:r>
             <a:r>
               <a:rPr lang="zh-CN" altLang="en-US" dirty="0" smtClean="0"/>
               <a:t>标准</a:t>
             </a:r>
             <a:r>
               <a:rPr lang="en-US" altLang="zh-CN" dirty="0" smtClean="0"/>
+              <a:t>IO)</a:t>
+            </a:r>
+          </a:p>
+          <a:p>
+            <a:endParaRPr lang="en-US" altLang="zh-CN" dirty="0" smtClean="0"/>
+          </a:p>
+          <a:p>
+            <a:r>
+              <a:rPr lang="en-US" altLang="zh-CN" dirty="0" err="1"/>
+              <a:t>unbuffered</a:t>
+            </a:r>
+            <a:r>
+              <a:rPr lang="en-US" altLang="zh-CN" dirty="0"/>
+              <a:t> </a:t>
+            </a:r>
+            <a:r>
+              <a:rPr lang="en-US" altLang="zh-CN" dirty="0" smtClean="0"/>
+              <a:t>I/O</a:t>
+            </a:r>
+          </a:p>
+          <a:p>
+            <a:endParaRPr lang="en-US" altLang="zh-CN" dirty="0" smtClean="0"/>
+          </a:p>
+          <a:p>
+            <a:r>
+              <a:rPr lang="zh-CN" altLang="en-US" dirty="0" smtClean="0"/>
+              <a:t>直接</a:t>
+            </a:r>
+            <a:r>
+              <a:rPr lang="en-US" altLang="zh-CN" dirty="0" smtClean="0"/>
               <a:t>IO</a:t>
             </a:r>
+            <a:endParaRPr lang="en-US" altLang="zh-CN" dirty="0" smtClean="0"/>
           </a:p>
           <a:p>
             <a:endParaRPr lang="zh-CN" altLang="en-US" dirty="0"/>
@@ -3256,30 +3371,58 @@
           <a:lstStyle/>
           <a:p>
             <a:r>
-              <a:rPr lang="zh-CN" altLang="en-US" dirty="0" smtClean="0"/>
-              <a:t>标准</a:t>
-            </a:r>
-            <a:r>
-              <a:rPr lang="en-US" altLang="zh-CN" dirty="0" smtClean="0"/>
-              <a:t>IO(</a:t>
-            </a:r>
-            <a:r>
-              <a:rPr lang="zh-CN" altLang="en-US" dirty="0" smtClean="0"/>
+              <a:rPr lang="en-US" altLang="zh-CN" dirty="0">
+                <a:latin typeface="微软雅黑" panose="020B0503020204020204" pitchFamily="34" charset="-122"/>
+                <a:ea typeface="微软雅黑" panose="020B0503020204020204" pitchFamily="34" charset="-122"/>
+              </a:rPr>
+              <a:t>buffered </a:t>
+            </a:r>
+            <a:r>
+              <a:rPr lang="en-US" altLang="zh-CN" dirty="0" smtClean="0">
+                <a:latin typeface="微软雅黑" panose="020B0503020204020204" pitchFamily="34" charset="-122"/>
+                <a:ea typeface="微软雅黑" panose="020B0503020204020204" pitchFamily="34" charset="-122"/>
+              </a:rPr>
+              <a:t>I/O</a:t>
+            </a:r>
+            <a:r>
+              <a:rPr lang="zh-CN" altLang="en-US" dirty="0" smtClean="0">
+                <a:latin typeface="微软雅黑" panose="020B0503020204020204" pitchFamily="34" charset="-122"/>
+                <a:ea typeface="微软雅黑" panose="020B0503020204020204" pitchFamily="34" charset="-122"/>
+              </a:rPr>
+              <a:t> </a:t>
+            </a:r>
+            <a:r>
+              <a:rPr lang="en-US" altLang="zh-CN" dirty="0" smtClean="0">
+                <a:latin typeface="微软雅黑" panose="020B0503020204020204" pitchFamily="34" charset="-122"/>
+                <a:ea typeface="微软雅黑" panose="020B0503020204020204" pitchFamily="34" charset="-122"/>
+              </a:rPr>
+              <a:t>(</a:t>
+            </a:r>
+            <a:r>
+              <a:rPr lang="zh-CN" altLang="en-US" dirty="0" smtClean="0">
+                <a:latin typeface="微软雅黑" panose="020B0503020204020204" pitchFamily="34" charset="-122"/>
+                <a:ea typeface="微软雅黑" panose="020B0503020204020204" pitchFamily="34" charset="-122"/>
+              </a:rPr>
               <a:t>又</a:t>
             </a:r>
             <a:r>
-              <a:rPr lang="zh-CN" altLang="en-US" dirty="0" smtClean="0"/>
-              <a:t>称</a:t>
-            </a:r>
-            <a:r>
-              <a:rPr lang="en-US" altLang="zh-CN" dirty="0"/>
-              <a:t>buffered I/O</a:t>
-            </a:r>
-            <a:r>
-              <a:rPr lang="en-US" altLang="zh-CN" dirty="0" smtClean="0"/>
-              <a:t>)</a:t>
-            </a:r>
-            <a:endParaRPr lang="zh-CN" altLang="en-US" dirty="0"/>
+              <a:rPr lang="zh-CN" altLang="en-US" dirty="0">
+                <a:latin typeface="微软雅黑" panose="020B0503020204020204" pitchFamily="34" charset="-122"/>
+                <a:ea typeface="微软雅黑" panose="020B0503020204020204" pitchFamily="34" charset="-122"/>
+              </a:rPr>
+              <a:t>称标准</a:t>
+            </a:r>
+            <a:r>
+              <a:rPr lang="en-US" altLang="zh-CN" dirty="0">
+                <a:latin typeface="微软雅黑" panose="020B0503020204020204" pitchFamily="34" charset="-122"/>
+                <a:ea typeface="微软雅黑" panose="020B0503020204020204" pitchFamily="34" charset="-122"/>
+              </a:rPr>
+              <a:t>IO)</a:t>
+            </a:r>
+            <a:endParaRPr lang="zh-CN" altLang="en-US" dirty="0">
+              <a:latin typeface="微软雅黑" panose="020B0503020204020204" pitchFamily="34" charset="-122"/>
+              <a:ea typeface="微软雅黑" panose="020B0503020204020204" pitchFamily="34" charset="-122"/>
+            </a:endParaRPr>
           </a:p>
         </p:txBody>
       </p:sp>
@@ -3389,16 +3532,16 @@
           <a:lstStyle/>
           <a:p>
             <a:r>
+              <a:rPr lang="en-US" altLang="zh-CN" dirty="0"/>
+              <a:t>buffered I/O</a:t>
+            </a:r>
+            <a:r>
               <a:rPr lang="zh-CN" altLang="en-US" dirty="0" smtClean="0"/>
-              <a:t>标准</a:t>
-            </a:r>
-            <a:r>
-              <a:rPr lang="en-US" altLang="zh-CN" dirty="0" smtClean="0"/>
-              <a:t>IO</a:t>
-            </a:r>
-            <a:r>
-              <a:rPr lang="zh-CN" altLang="en-US" dirty="0" smtClean="0"/>
-              <a:t>的优点</a:t>
+              <a:t>的</a:t>
+            </a:r>
+            <a:r>
+              <a:rPr lang="zh-CN" altLang="en-US" dirty="0"/>
+              <a:t>体现</a:t>
             </a:r>
             <a:endParaRPr lang="zh-CN" altLang="en-US" dirty="0"/>
           </a:p>
@@ -3421,70 +3564,16 @@
           </a:bodyPr>
           <a:lstStyle/>
           <a:p>
-            <a:r>
-              <a:rPr lang="zh-CN" altLang="en-US" sz="2400" dirty="0"/>
-              <a:t>支持同步</a:t>
-            </a:r>
-            <a:r>
-              <a:rPr lang="en-US" altLang="zh-CN" sz="2400" dirty="0"/>
-              <a:t>/</a:t>
-            </a:r>
-            <a:r>
-              <a:rPr lang="zh-CN" altLang="en-US" sz="2400" dirty="0"/>
-              <a:t>异步刷</a:t>
+            <a:pPr marL="0" indent="0">
+              <a:buNone/>
+            </a:pPr>
+            <a:r>
+              <a:rPr lang="en-US" altLang="zh-CN" sz="2400" dirty="0" smtClean="0"/>
+              <a:t>Java </a:t>
             </a:r>
             <a:r>
               <a:rPr lang="zh-CN" altLang="en-US" sz="2400" dirty="0" smtClean="0"/>
-              <a:t>盘</a:t>
-            </a:r>
-            <a:endParaRPr lang="en-US" altLang="zh-CN" sz="2400" dirty="0" smtClean="0"/>
-          </a:p>
-          <a:p>
-            <a:r>
-              <a:rPr lang="zh-CN" altLang="en-US" sz="2400" dirty="0" smtClean="0"/>
-              <a:t>使用操作系统</a:t>
-            </a:r>
-            <a:r>
-              <a:rPr lang="zh-CN" altLang="en-US" sz="2400" dirty="0"/>
-              <a:t>内核缓冲区，在一定程度上分离了应用程序空间和实际的物理</a:t>
-            </a:r>
-            <a:r>
-              <a:rPr lang="zh-CN" altLang="en-US" sz="2400" dirty="0" smtClean="0"/>
-              <a:t>设备</a:t>
-            </a:r>
-            <a:endParaRPr lang="en-US" altLang="zh-CN" sz="2400" dirty="0" smtClean="0"/>
-          </a:p>
-          <a:p>
-            <a:r>
-              <a:rPr lang="zh-CN" altLang="en-US" sz="2400" dirty="0" smtClean="0"/>
-              <a:t>对于读写不频繁的操作，缓存预读命中率极高，可以</a:t>
-            </a:r>
-            <a:r>
-              <a:rPr lang="zh-CN" altLang="en-US" sz="2400" dirty="0"/>
-              <a:t>减少读盘的</a:t>
-            </a:r>
-            <a:r>
-              <a:rPr lang="zh-CN" altLang="en-US" sz="2400" dirty="0" smtClean="0"/>
-              <a:t>次数，</a:t>
-            </a:r>
-            <a:r>
-              <a:rPr lang="zh-CN" altLang="en-US" sz="2400" dirty="0"/>
-              <a:t>从而提高性能</a:t>
-            </a:r>
-            <a:r>
-              <a:rPr lang="zh-CN" altLang="en-US" sz="2400" dirty="0" smtClean="0"/>
-              <a:t>。</a:t>
-            </a:r>
-            <a:endParaRPr lang="en-US" altLang="zh-CN" sz="2400" dirty="0" smtClean="0"/>
-          </a:p>
-          <a:p>
-            <a:r>
-              <a:rPr lang="zh-CN" altLang="en-US" sz="2400" dirty="0"/>
-              <a:t>对于读写不频繁的</a:t>
-            </a:r>
-            <a:r>
-              <a:rPr lang="zh-CN" altLang="en-US" sz="2400" dirty="0" smtClean="0"/>
-              <a:t>操作，内存拷贝基本都是在</a:t>
+              <a:t>传统流式</a:t>
             </a:r>
             <a:r>
               <a:rPr lang="en-US" altLang="zh-CN" sz="2400" dirty="0" smtClean="0"/>
@@ -3492,16 +3581,550 @@
             </a:r>
             <a:r>
               <a:rPr lang="zh-CN" altLang="en-US" sz="2400" dirty="0" smtClean="0"/>
-              <a:t>空闲时间进行，无需额外等待</a:t>
-            </a:r>
-            <a:endParaRPr lang="en-US" altLang="zh-CN" sz="2400" dirty="0" smtClean="0"/>
-          </a:p>
-        </p:txBody>
-      </p:sp>
+              <a:t>、</a:t>
+            </a:r>
+            <a:r>
+              <a:rPr lang="en-US" altLang="zh-CN" sz="2400" dirty="0" smtClean="0"/>
+              <a:t>C</a:t>
+            </a:r>
+            <a:r>
+              <a:rPr lang="zh-CN" altLang="en-US" sz="2400" dirty="0" smtClean="0"/>
+              <a:t>的 </a:t>
+            </a:r>
+            <a:r>
+              <a:rPr lang="en-US" altLang="zh-CN" sz="2400" dirty="0" err="1" smtClean="0"/>
+              <a:t>stdio</a:t>
+            </a:r>
+            <a:r>
+              <a:rPr lang="zh-CN" altLang="en-US" sz="2400" dirty="0"/>
+              <a:t>、</a:t>
+            </a:r>
+            <a:r>
+              <a:rPr lang="en-US" altLang="zh-CN" sz="2400" dirty="0" smtClean="0"/>
+              <a:t>C</a:t>
+            </a:r>
+            <a:r>
+              <a:rPr lang="en-US" altLang="zh-CN" sz="2400" dirty="0" smtClean="0"/>
+              <a:t>++ </a:t>
+            </a:r>
+            <a:r>
+              <a:rPr lang="zh-CN" altLang="en-US" sz="2400" dirty="0" smtClean="0"/>
+              <a:t>的</a:t>
+            </a:r>
+            <a:r>
+              <a:rPr lang="en-US" altLang="zh-CN" sz="2400" dirty="0" err="1" smtClean="0"/>
+              <a:t>iostream</a:t>
+            </a:r>
+            <a:endParaRPr lang="zh-CN" altLang="en-US" sz="2400" dirty="0"/>
+          </a:p>
+        </p:txBody>
+      </p:sp>
+      <p:graphicFrame>
+        <p:nvGraphicFramePr>
+          <p:cNvPr id="4" name="表格 3"/>
+          <p:cNvGraphicFramePr>
+            <a:graphicFrameLocks noGrp="1"/>
+          </p:cNvGraphicFramePr>
+          <p:nvPr>
+            <p:extLst>
+              <p:ext uri="{D42A27DB-BD31-4B8C-83A1-F6EECF244321}">
+                <p14:modId xmlns:p14="http://schemas.microsoft.com/office/powerpoint/2010/main" val="21001982"/>
+              </p:ext>
+            </p:extLst>
+          </p:nvPr>
+        </p:nvGraphicFramePr>
+        <p:xfrm>
+          <a:off x="611560" y="2204864"/>
+          <a:ext cx="7416825" cy="3839290"/>
+        </p:xfrm>
+        <a:graphic>
+          <a:graphicData uri="http://schemas.openxmlformats.org/drawingml/2006/table">
+            <a:tbl>
+              <a:tblPr firstRow="1" bandRow="1">
+                <a:tableStyleId>{46F890A9-2807-4EBB-B81D-B2AA78EC7F39}</a:tableStyleId>
+              </a:tblPr>
+              <a:tblGrid>
+                <a:gridCol w="2472275"/>
+                <a:gridCol w="2472275"/>
+                <a:gridCol w="2472275"/>
+              </a:tblGrid>
+              <a:tr h="833235">
+                <a:tc>
+                  <a:txBody>
+                    <a:bodyPr/>
+                    <a:lstStyle/>
+                    <a:p>
+                      <a:pPr algn="ctr"/>
+                      <a:r>
+                        <a:rPr lang="en-US" altLang="zh-CN" dirty="0" smtClean="0"/>
+                        <a:t>java</a:t>
+                      </a:r>
+                      <a:endParaRPr lang="zh-CN" altLang="en-US" dirty="0"/>
+                    </a:p>
+                  </a:txBody>
+                  <a:tcPr/>
+                </a:tc>
+                <a:tc>
+                  <a:txBody>
+                    <a:bodyPr/>
+                    <a:lstStyle/>
+                    <a:p>
+                      <a:pPr algn="ctr"/>
+                      <a:r>
+                        <a:rPr lang="en-US" altLang="zh-CN" dirty="0" smtClean="0"/>
+                        <a:t>C</a:t>
+                      </a:r>
+                      <a:endParaRPr lang="zh-CN" altLang="en-US" dirty="0"/>
+                    </a:p>
+                  </a:txBody>
+                  <a:tcPr/>
+                </a:tc>
+                <a:tc>
+                  <a:txBody>
+                    <a:bodyPr/>
+                    <a:lstStyle/>
+                    <a:p>
+                      <a:pPr algn="ctr"/>
+                      <a:r>
+                        <a:rPr lang="en-US" altLang="zh-CN" dirty="0" smtClean="0"/>
+                        <a:t>C++</a:t>
+                      </a:r>
+                      <a:endParaRPr lang="zh-CN" altLang="en-US" dirty="0"/>
+                    </a:p>
+                  </a:txBody>
+                  <a:tcPr/>
+                </a:tc>
+              </a:tr>
+              <a:tr h="473195">
+                <a:tc>
+                  <a:txBody>
+                    <a:bodyPr/>
+                    <a:lstStyle/>
+                    <a:p>
+                      <a:r>
+                        <a:rPr lang="en-US" altLang="zh-CN" sz="1800" u="sng" kern="1200" dirty="0" err="1" smtClean="0">
+                          <a:solidFill>
+                            <a:schemeClr val="dk1"/>
+                          </a:solidFill>
+                          <a:latin typeface="+mn-lt"/>
+                          <a:ea typeface="+mn-ea"/>
+                          <a:cs typeface="+mn-cs"/>
+                        </a:rPr>
+                        <a:t>InputStream.read</a:t>
+                      </a:r>
+                      <a:r>
+                        <a:rPr lang="en-US" altLang="zh-CN" sz="1800" u="sng" kern="1200" dirty="0" smtClean="0">
+                          <a:solidFill>
+                            <a:schemeClr val="dk1"/>
+                          </a:solidFill>
+                          <a:latin typeface="+mn-lt"/>
+                          <a:ea typeface="+mn-ea"/>
+                          <a:cs typeface="+mn-cs"/>
+                        </a:rPr>
+                        <a:t>()</a:t>
+                      </a:r>
+                      <a:endParaRPr lang="zh-CN" altLang="en-US" dirty="0"/>
+                    </a:p>
+                  </a:txBody>
+                  <a:tcPr/>
+                </a:tc>
+                <a:tc>
+                  <a:txBody>
+                    <a:bodyPr/>
+                    <a:lstStyle/>
+                    <a:p>
+                      <a:r>
+                        <a:rPr lang="en-US" altLang="zh-CN" dirty="0" err="1" smtClean="0"/>
+                        <a:t>fread</a:t>
+                      </a:r>
+                      <a:r>
+                        <a:rPr lang="en-US" altLang="zh-CN" dirty="0" smtClean="0"/>
+                        <a:t>()</a:t>
+                      </a:r>
+                      <a:endParaRPr lang="zh-CN" altLang="en-US" dirty="0"/>
+                    </a:p>
+                  </a:txBody>
+                  <a:tcPr/>
+                </a:tc>
+                <a:tc>
+                  <a:txBody>
+                    <a:bodyPr/>
+                    <a:lstStyle/>
+                    <a:p>
+                      <a:r>
+                        <a:rPr lang="en-US" altLang="zh-CN" dirty="0" err="1" smtClean="0"/>
+                        <a:t>ifstream</a:t>
+                      </a:r>
+                      <a:r>
+                        <a:rPr lang="en-US" altLang="zh-CN" dirty="0" smtClean="0"/>
+                        <a:t> ::  &lt;&lt;</a:t>
+                      </a:r>
+                      <a:endParaRPr lang="zh-CN" altLang="en-US" dirty="0"/>
+                    </a:p>
+                  </a:txBody>
+                  <a:tcPr/>
+                </a:tc>
+              </a:tr>
+              <a:tr h="473195">
+                <a:tc>
+                  <a:txBody>
+                    <a:bodyPr/>
+                    <a:lstStyle/>
+                    <a:p>
+                      <a:r>
+                        <a:rPr lang="en-US" altLang="zh-CN" sz="1800" u="sng" kern="1200" dirty="0" err="1" smtClean="0">
+                          <a:solidFill>
+                            <a:schemeClr val="dk1"/>
+                          </a:solidFill>
+                          <a:latin typeface="+mn-lt"/>
+                          <a:ea typeface="+mn-ea"/>
+                          <a:cs typeface="+mn-cs"/>
+                        </a:rPr>
+                        <a:t>InputStream.skip</a:t>
+                      </a:r>
+                      <a:r>
+                        <a:rPr lang="en-US" altLang="zh-CN" sz="1800" u="sng" kern="1200" dirty="0" smtClean="0">
+                          <a:solidFill>
+                            <a:schemeClr val="dk1"/>
+                          </a:solidFill>
+                          <a:latin typeface="+mn-lt"/>
+                          <a:ea typeface="+mn-ea"/>
+                          <a:cs typeface="+mn-cs"/>
+                        </a:rPr>
+                        <a:t>()</a:t>
+                      </a:r>
+                      <a:endParaRPr lang="zh-CN" altLang="en-US" dirty="0"/>
+                    </a:p>
+                  </a:txBody>
+                  <a:tcPr/>
+                </a:tc>
+                <a:tc>
+                  <a:txBody>
+                    <a:bodyPr/>
+                    <a:lstStyle/>
+                    <a:p>
+                      <a:r>
+                        <a:rPr lang="en-US" altLang="zh-CN" dirty="0" err="1" smtClean="0"/>
+                        <a:t>fseek</a:t>
+                      </a:r>
+                      <a:r>
+                        <a:rPr lang="en-US" altLang="zh-CN" dirty="0" smtClean="0"/>
+                        <a:t>()</a:t>
+                      </a:r>
+                      <a:endParaRPr lang="zh-CN" altLang="en-US" dirty="0"/>
+                    </a:p>
+                  </a:txBody>
+                  <a:tcPr/>
+                </a:tc>
+                <a:tc>
+                  <a:txBody>
+                    <a:bodyPr/>
+                    <a:lstStyle/>
+                    <a:p>
+                      <a:r>
+                        <a:rPr lang="en-US" altLang="zh-CN" dirty="0" err="1" smtClean="0"/>
+                        <a:t>ifstream</a:t>
+                      </a:r>
+                      <a:r>
+                        <a:rPr lang="en-US" altLang="zh-CN" sz="1800" b="0" i="0" kern="1200" dirty="0" smtClean="0">
+                          <a:solidFill>
+                            <a:schemeClr val="dk1"/>
+                          </a:solidFill>
+                          <a:effectLst/>
+                          <a:latin typeface="+mn-lt"/>
+                          <a:ea typeface="+mn-ea"/>
+                          <a:cs typeface="+mn-cs"/>
+                        </a:rPr>
+                        <a:t>::</a:t>
+                      </a:r>
+                      <a:r>
+                        <a:rPr lang="en-US" altLang="zh-CN" sz="1800" b="0" i="0" kern="1200" dirty="0" err="1" smtClean="0">
+                          <a:solidFill>
+                            <a:schemeClr val="dk1"/>
+                          </a:solidFill>
+                          <a:effectLst/>
+                          <a:latin typeface="+mn-lt"/>
+                          <a:ea typeface="+mn-ea"/>
+                          <a:cs typeface="+mn-cs"/>
+                        </a:rPr>
+                        <a:t>seekg</a:t>
+                      </a:r>
+                      <a:r>
+                        <a:rPr lang="en-US" altLang="zh-CN" sz="1800" b="0" i="0" kern="1200" dirty="0" smtClean="0">
+                          <a:solidFill>
+                            <a:schemeClr val="dk1"/>
+                          </a:solidFill>
+                          <a:effectLst/>
+                          <a:latin typeface="+mn-lt"/>
+                          <a:ea typeface="+mn-ea"/>
+                          <a:cs typeface="+mn-cs"/>
+                        </a:rPr>
+                        <a:t>()</a:t>
+                      </a:r>
+                    </a:p>
+                    <a:p>
+                      <a:r>
+                        <a:rPr lang="en-US" altLang="zh-CN" sz="1800" b="0" i="0" kern="1200" dirty="0" err="1" smtClean="0">
+                          <a:solidFill>
+                            <a:schemeClr val="dk1"/>
+                          </a:solidFill>
+                          <a:effectLst/>
+                          <a:latin typeface="+mn-lt"/>
+                          <a:ea typeface="+mn-ea"/>
+                          <a:cs typeface="+mn-cs"/>
+                        </a:rPr>
+                        <a:t>ifsteam</a:t>
+                      </a:r>
+                      <a:r>
+                        <a:rPr lang="en-US" altLang="zh-CN" sz="1800" b="0" i="0" kern="1200" dirty="0" smtClean="0">
+                          <a:solidFill>
+                            <a:schemeClr val="dk1"/>
+                          </a:solidFill>
+                          <a:effectLst/>
+                          <a:latin typeface="+mn-lt"/>
+                          <a:ea typeface="+mn-ea"/>
+                          <a:cs typeface="+mn-cs"/>
+                        </a:rPr>
+                        <a:t>::</a:t>
+                      </a:r>
+                      <a:r>
+                        <a:rPr lang="en-US" altLang="zh-CN" sz="1800" b="0" i="0" kern="1200" dirty="0" err="1" smtClean="0">
+                          <a:solidFill>
+                            <a:schemeClr val="dk1"/>
+                          </a:solidFill>
+                          <a:effectLst/>
+                          <a:latin typeface="+mn-lt"/>
+                          <a:ea typeface="+mn-ea"/>
+                          <a:cs typeface="+mn-cs"/>
+                        </a:rPr>
+                        <a:t>seekp</a:t>
+                      </a:r>
+                      <a:r>
+                        <a:rPr lang="en-US" altLang="zh-CN" sz="1800" b="0" i="0" kern="1200" dirty="0" smtClean="0">
+                          <a:solidFill>
+                            <a:schemeClr val="dk1"/>
+                          </a:solidFill>
+                          <a:effectLst/>
+                          <a:latin typeface="+mn-lt"/>
+                          <a:ea typeface="+mn-ea"/>
+                          <a:cs typeface="+mn-cs"/>
+                        </a:rPr>
+                        <a:t>()</a:t>
+                      </a:r>
+                      <a:endParaRPr lang="zh-CN" altLang="en-US" dirty="0"/>
+                    </a:p>
+                  </a:txBody>
+                  <a:tcPr/>
+                </a:tc>
+              </a:tr>
+              <a:tr h="473195">
+                <a:tc>
+                  <a:txBody>
+                    <a:bodyPr/>
+                    <a:lstStyle/>
+                    <a:p>
+                      <a:r>
+                        <a:rPr lang="en-US" altLang="zh-CN" dirty="0" err="1" smtClean="0"/>
+                        <a:t>OutputStream.write</a:t>
+                      </a:r>
+                      <a:r>
+                        <a:rPr lang="en-US" altLang="zh-CN" dirty="0" smtClean="0"/>
+                        <a:t>()</a:t>
+                      </a:r>
+                      <a:endParaRPr lang="zh-CN" altLang="en-US" dirty="0"/>
+                    </a:p>
+                  </a:txBody>
+                  <a:tcPr/>
+                </a:tc>
+                <a:tc>
+                  <a:txBody>
+                    <a:bodyPr/>
+                    <a:lstStyle/>
+                    <a:p>
+                      <a:r>
+                        <a:rPr lang="en-US" altLang="zh-CN" dirty="0" err="1" smtClean="0"/>
+                        <a:t>fwrite</a:t>
+                      </a:r>
+                      <a:r>
+                        <a:rPr lang="en-US" altLang="zh-CN" dirty="0" smtClean="0"/>
+                        <a:t>()</a:t>
+                      </a:r>
+                      <a:endParaRPr lang="zh-CN" altLang="en-US" dirty="0"/>
+                    </a:p>
+                  </a:txBody>
+                  <a:tcPr/>
+                </a:tc>
+                <a:tc>
+                  <a:txBody>
+                    <a:bodyPr/>
+                    <a:lstStyle/>
+                    <a:p>
+                      <a:r>
+                        <a:rPr lang="en-US" altLang="zh-CN" dirty="0" err="1" smtClean="0"/>
+                        <a:t>ofstream</a:t>
+                      </a:r>
+                      <a:r>
+                        <a:rPr lang="en-US" altLang="zh-CN" dirty="0" smtClean="0"/>
+                        <a:t> :: &gt;&gt;</a:t>
+                      </a:r>
+                      <a:endParaRPr lang="zh-CN" altLang="en-US" dirty="0"/>
+                    </a:p>
+                  </a:txBody>
+                  <a:tcPr/>
+                </a:tc>
+              </a:tr>
+              <a:tr h="473195">
+                <a:tc>
+                  <a:txBody>
+                    <a:bodyPr/>
+                    <a:lstStyle/>
+                    <a:p>
+                      <a:r>
+                        <a:rPr lang="en-US" altLang="zh-CN" dirty="0" err="1" smtClean="0"/>
+                        <a:t>OutputStream.flush</a:t>
+                      </a:r>
+                      <a:r>
+                        <a:rPr lang="en-US" altLang="zh-CN" dirty="0" smtClean="0"/>
+                        <a:t>()</a:t>
+                      </a:r>
+                      <a:endParaRPr lang="zh-CN" altLang="en-US" dirty="0"/>
+                    </a:p>
+                  </a:txBody>
+                  <a:tcPr/>
+                </a:tc>
+                <a:tc>
+                  <a:txBody>
+                    <a:bodyPr/>
+                    <a:lstStyle/>
+                    <a:p>
+                      <a:r>
+                        <a:rPr lang="en-US" altLang="zh-CN" dirty="0" err="1" smtClean="0"/>
+                        <a:t>fflush</a:t>
+                      </a:r>
+                      <a:r>
+                        <a:rPr lang="en-US" altLang="zh-CN" dirty="0" smtClean="0"/>
+                        <a:t>()</a:t>
+                      </a:r>
+                      <a:endParaRPr lang="zh-CN" altLang="en-US" dirty="0"/>
+                    </a:p>
+                  </a:txBody>
+                  <a:tcPr/>
+                </a:tc>
+                <a:tc>
+                  <a:txBody>
+                    <a:bodyPr/>
+                    <a:lstStyle/>
+                    <a:p>
+                      <a:r>
+                        <a:rPr lang="en-US" altLang="zh-CN" dirty="0" err="1" smtClean="0"/>
+                        <a:t>ofstream</a:t>
+                      </a:r>
+                      <a:r>
+                        <a:rPr lang="en-US" altLang="zh-CN" baseline="0" dirty="0" smtClean="0"/>
+                        <a:t>:: flush()</a:t>
+                      </a:r>
+                      <a:endParaRPr lang="zh-CN" altLang="en-US" dirty="0"/>
+                    </a:p>
+                  </a:txBody>
+                  <a:tcPr/>
+                </a:tc>
+              </a:tr>
+              <a:tr h="473195">
+                <a:tc>
+                  <a:txBody>
+                    <a:bodyPr/>
+                    <a:lstStyle/>
+                    <a:p>
+                      <a:r>
+                        <a:rPr lang="en-US" altLang="zh-CN" dirty="0" err="1" smtClean="0"/>
+                        <a:t>OutputStream.close</a:t>
+                      </a:r>
+                      <a:r>
+                        <a:rPr lang="en-US" altLang="zh-CN" dirty="0" smtClean="0"/>
+                        <a:t>()</a:t>
+                      </a:r>
+                      <a:endParaRPr lang="zh-CN" altLang="en-US" dirty="0"/>
+                    </a:p>
+                  </a:txBody>
+                  <a:tcPr/>
+                </a:tc>
+                <a:tc>
+                  <a:txBody>
+                    <a:bodyPr/>
+                    <a:lstStyle/>
+                    <a:p>
+                      <a:r>
+                        <a:rPr lang="en-US" altLang="zh-CN" dirty="0" err="1" smtClean="0"/>
+                        <a:t>fclose</a:t>
+                      </a:r>
+                      <a:r>
+                        <a:rPr lang="en-US" altLang="zh-CN" dirty="0" smtClean="0"/>
+                        <a:t>()</a:t>
+                      </a:r>
+                      <a:endParaRPr lang="zh-CN" altLang="en-US" dirty="0"/>
+                    </a:p>
+                  </a:txBody>
+                  <a:tcPr/>
+                </a:tc>
+                <a:tc>
+                  <a:txBody>
+                    <a:bodyPr/>
+                    <a:lstStyle/>
+                    <a:p>
+                      <a:r>
+                        <a:rPr lang="en-US" altLang="zh-CN" dirty="0" err="1" smtClean="0"/>
+                        <a:t>ofstream</a:t>
+                      </a:r>
+                      <a:r>
+                        <a:rPr lang="en-US" altLang="zh-CN" dirty="0" smtClean="0"/>
+                        <a:t>::close()</a:t>
+                      </a:r>
+                      <a:endParaRPr lang="zh-CN" altLang="en-US" dirty="0"/>
+                    </a:p>
+                  </a:txBody>
+                  <a:tcPr/>
+                </a:tc>
+              </a:tr>
+              <a:tr h="473195">
+                <a:tc>
+                  <a:txBody>
+                    <a:bodyPr/>
+                    <a:lstStyle/>
+                    <a:p>
+                      <a:endParaRPr lang="zh-CN" altLang="en-US"/>
+                    </a:p>
+                  </a:txBody>
+                  <a:tcPr/>
+                </a:tc>
+                <a:tc>
+                  <a:txBody>
+                    <a:bodyPr/>
+                    <a:lstStyle/>
+                    <a:p>
+                      <a:endParaRPr lang="zh-CN" altLang="en-US"/>
+                    </a:p>
+                  </a:txBody>
+                  <a:tcPr/>
+                </a:tc>
+                <a:tc>
+                  <a:txBody>
+                    <a:bodyPr/>
+                    <a:lstStyle/>
+                    <a:p>
+                      <a:endParaRPr lang="zh-CN" altLang="en-US" dirty="0"/>
+                    </a:p>
+                  </a:txBody>
+                  <a:tcPr/>
+                </a:tc>
+              </a:tr>
+            </a:tbl>
+          </a:graphicData>
+        </a:graphic>
+      </p:graphicFrame>
     </p:spTree>
     <p:extLst>
       <p:ext uri="{BB962C8B-B14F-4D97-AF65-F5344CB8AC3E}">
-        <p14:creationId xmlns:p14="http://schemas.microsoft.com/office/powerpoint/2010/main" val="1027857784"/>
+        <p14:creationId xmlns:p14="http://schemas.microsoft.com/office/powerpoint/2010/main" val="2789980368"/>
       </p:ext>
     </p:extLst>
   </p:cSld>
@@ -3544,16 +4167,16 @@
           <a:lstStyle/>
           <a:p>
             <a:r>
+              <a:rPr lang="en-US" altLang="zh-CN" dirty="0"/>
+              <a:t>buffered I/O</a:t>
+            </a:r>
+            <a:r>
               <a:rPr lang="zh-CN" altLang="en-US" dirty="0" smtClean="0"/>
-              <a:t>标准</a:t>
-            </a:r>
-            <a:r>
-              <a:rPr lang="en-US" altLang="zh-CN" dirty="0" smtClean="0"/>
-              <a:t>IO</a:t>
+              <a:t>的</a:t>
             </a:r>
             <a:r>
               <a:rPr lang="zh-CN" altLang="en-US" dirty="0" smtClean="0"/>
-              <a:t>的缺点</a:t>
+              <a:t>优点</a:t>
             </a:r>
             <a:endParaRPr lang="zh-CN" altLang="en-US" dirty="0"/>
           </a:p>
@@ -3577,8 +4200,69 @@
           <a:lstStyle/>
           <a:p>
             <a:r>
+              <a:rPr lang="zh-CN" altLang="en-US" sz="2400" dirty="0"/>
+              <a:t>支持同步</a:t>
+            </a:r>
+            <a:r>
+              <a:rPr lang="en-US" altLang="zh-CN" sz="2400" dirty="0"/>
+              <a:t>/</a:t>
+            </a:r>
+            <a:r>
+              <a:rPr lang="zh-CN" altLang="en-US" sz="2400" dirty="0"/>
+              <a:t>异步刷</a:t>
+            </a:r>
+            <a:r>
               <a:rPr lang="zh-CN" altLang="en-US" sz="2400" dirty="0" smtClean="0"/>
-              <a:t>对于</a:t>
+              <a:t>盘</a:t>
+            </a:r>
+            <a:endParaRPr lang="en-US" altLang="zh-CN" sz="2400" dirty="0" smtClean="0"/>
+          </a:p>
+          <a:p>
+            <a:r>
+              <a:rPr lang="zh-CN" altLang="en-US" sz="2400" dirty="0" smtClean="0"/>
+              <a:t>使用操作系统</a:t>
+            </a:r>
+            <a:r>
+              <a:rPr lang="zh-CN" altLang="en-US" sz="2400" dirty="0"/>
+              <a:t>内核缓冲区，在一定程度上分离了应用程序空间和实际的物理</a:t>
+            </a:r>
+            <a:r>
+              <a:rPr lang="zh-CN" altLang="en-US" sz="2400" dirty="0" smtClean="0"/>
+              <a:t>设备</a:t>
+            </a:r>
+            <a:endParaRPr lang="en-US" altLang="zh-CN" sz="2400" dirty="0" smtClean="0"/>
+          </a:p>
+          <a:p>
+            <a:r>
+              <a:rPr lang="zh-CN" altLang="en-US" sz="2400" dirty="0" smtClean="0"/>
+              <a:t>对于读写不频繁的操作，缓存预读命中率极高，可以</a:t>
+            </a:r>
+            <a:r>
+              <a:rPr lang="zh-CN" altLang="en-US" sz="2400" dirty="0"/>
+              <a:t>减少读盘的</a:t>
+            </a:r>
+            <a:r>
+              <a:rPr lang="zh-CN" altLang="en-US" sz="2400" dirty="0" smtClean="0"/>
+              <a:t>次数，</a:t>
+            </a:r>
+            <a:r>
+              <a:rPr lang="zh-CN" altLang="en-US" sz="2400" dirty="0"/>
+              <a:t>从而提高性能</a:t>
+            </a:r>
+            <a:r>
+              <a:rPr lang="zh-CN" altLang="en-US" sz="2400" dirty="0" smtClean="0"/>
+              <a:t>。</a:t>
+            </a:r>
+            <a:endParaRPr lang="en-US" altLang="zh-CN" sz="2400" dirty="0" smtClean="0"/>
+          </a:p>
+          <a:p>
+            <a:r>
+              <a:rPr lang="zh-CN" altLang="en-US" sz="2400" dirty="0"/>
+              <a:t>对于读写不频繁的</a:t>
+            </a:r>
+            <a:r>
+              <a:rPr lang="zh-CN" altLang="en-US" sz="2400" dirty="0" smtClean="0"/>
+              <a:t>操作，内存拷贝基本都是在</a:t>
             </a:r>
             <a:r>
               <a:rPr lang="en-US" altLang="zh-CN" sz="2400" dirty="0" smtClean="0"/>
@@ -3586,54 +4270,16 @@
             </a:r>
             <a:r>
               <a:rPr lang="zh-CN" altLang="en-US" sz="2400" dirty="0" smtClean="0"/>
-              <a:t>密集型操作，需要频繁的内存拷贝，系统开销很大</a:t>
+              <a:t>空闲时间进行，无需额外等待</a:t>
             </a:r>
             <a:endParaRPr lang="en-US" altLang="zh-CN" sz="2400" dirty="0" smtClean="0"/>
-          </a:p>
-          <a:p>
-            <a:r>
-              <a:rPr lang="zh-CN" altLang="en-US" sz="2400" dirty="0"/>
-              <a:t>对于</a:t>
-            </a:r>
-            <a:r>
-              <a:rPr lang="en-US" altLang="zh-CN" sz="2400" dirty="0"/>
-              <a:t>IO</a:t>
-            </a:r>
-            <a:r>
-              <a:rPr lang="zh-CN" altLang="en-US" sz="2400" dirty="0"/>
-              <a:t>密集型</a:t>
-            </a:r>
-            <a:r>
-              <a:rPr lang="zh-CN" altLang="en-US" sz="2400" dirty="0" smtClean="0"/>
-              <a:t>操作，缓存预读已无实际意义</a:t>
-            </a:r>
-            <a:endParaRPr lang="en-US" altLang="zh-CN" sz="2400" dirty="0" smtClean="0"/>
-          </a:p>
-          <a:p>
-            <a:r>
-              <a:rPr lang="zh-CN" altLang="en-US" sz="2400" dirty="0"/>
-              <a:t>对于</a:t>
-            </a:r>
-            <a:r>
-              <a:rPr lang="en-US" altLang="zh-CN" sz="2400" dirty="0"/>
-              <a:t>IO</a:t>
-            </a:r>
-            <a:r>
-              <a:rPr lang="zh-CN" altLang="en-US" sz="2400" dirty="0"/>
-              <a:t>密集型</a:t>
-            </a:r>
-            <a:r>
-              <a:rPr lang="zh-CN" altLang="en-US" sz="2400" dirty="0" smtClean="0"/>
-              <a:t>操作，程序在内核态和用户态不停切换，系统开销较大</a:t>
-            </a:r>
-            <a:endParaRPr lang="zh-CN" altLang="en-US" sz="2400" dirty="0"/>
           </a:p>
         </p:txBody>
       </p:sp>
     </p:spTree>
     <p:extLst>
       <p:ext uri="{BB962C8B-B14F-4D97-AF65-F5344CB8AC3E}">
-        <p14:creationId xmlns:p14="http://schemas.microsoft.com/office/powerpoint/2010/main" val="3209186156"/>
+        <p14:creationId xmlns:p14="http://schemas.microsoft.com/office/powerpoint/2010/main" val="1027857784"/>
       </p:ext>
     </p:extLst>
   </p:cSld>
@@ -3676,91 +4322,1094 @@
           <a:lstStyle/>
           <a:p>
             <a:r>
-              <a:rPr lang="zh-CN" altLang="en-US" dirty="0" smtClean="0"/>
-              <a:t>标准</a:t>
-            </a:r>
-            <a:r>
-              <a:rPr lang="en-US" altLang="zh-CN" dirty="0" smtClean="0"/>
-              <a:t>IO</a:t>
-            </a:r>
-            <a:r>
-              <a:rPr lang="zh-CN" altLang="en-US" dirty="0" smtClean="0"/>
-              <a:t>的存在</a:t>
-            </a:r>
-            <a:endParaRPr lang="zh-CN" altLang="en-US" dirty="0"/>
-          </a:p>
-        </p:txBody>
-      </p:sp>
-      <p:sp>
-        <p:nvSpPr>
-          <p:cNvPr id="3" name="内容占位符 2"/>
-          <p:cNvSpPr>
-            <a:spLocks noGrp="1"/>
-          </p:cNvSpPr>
-          <p:nvPr>
-            <p:ph idx="1"/>
-          </p:nvPr>
-        </p:nvSpPr>
-        <p:spPr/>
-        <p:txBody>
-          <a:bodyPr/>
-          <a:lstStyle/>
-          <a:p>
-            <a:r>
-              <a:rPr lang="en-US" altLang="zh-CN" dirty="0" smtClean="0"/>
-              <a:t>Java </a:t>
-            </a:r>
-            <a:r>
-              <a:rPr lang="zh-CN" altLang="en-US" dirty="0" smtClean="0"/>
-              <a:t>传统流式</a:t>
-            </a:r>
-            <a:r>
-              <a:rPr lang="en-US" altLang="zh-CN" dirty="0" smtClean="0"/>
-              <a:t>IO</a:t>
-            </a:r>
-          </a:p>
-          <a:p>
-            <a:r>
-              <a:rPr lang="en-US" altLang="zh-CN" dirty="0" smtClean="0"/>
-              <a:t>C</a:t>
-            </a:r>
-            <a:r>
-              <a:rPr lang="zh-CN" altLang="en-US" dirty="0" smtClean="0"/>
-              <a:t>的 </a:t>
-            </a:r>
-            <a:r>
-              <a:rPr lang="en-US" altLang="zh-CN" dirty="0" err="1" smtClean="0"/>
-              <a:t>stdio</a:t>
-            </a:r>
-            <a:endParaRPr lang="en-US" altLang="zh-CN" dirty="0" smtClean="0"/>
-          </a:p>
-          <a:p>
-            <a:r>
-              <a:rPr lang="en-US" altLang="zh-CN" dirty="0" smtClean="0"/>
-              <a:t>C++ </a:t>
+              <a:rPr lang="en-US" altLang="zh-CN" dirty="0"/>
+              <a:t>buffered I/O</a:t>
             </a:r>
             <a:r>
               <a:rPr lang="zh-CN" altLang="en-US" dirty="0" smtClean="0"/>
               <a:t>的</a:t>
             </a:r>
             <a:r>
-              <a:rPr lang="en-US" altLang="zh-CN" dirty="0" err="1" smtClean="0"/>
-              <a:t>IOstream</a:t>
+              <a:rPr lang="zh-CN" altLang="en-US" dirty="0" smtClean="0"/>
+              <a:t>缺点</a:t>
             </a:r>
             <a:endParaRPr lang="zh-CN" altLang="en-US" dirty="0"/>
+          </a:p>
+        </p:txBody>
+      </p:sp>
+      <p:sp>
+        <p:nvSpPr>
+          <p:cNvPr id="3" name="内容占位符 2"/>
+          <p:cNvSpPr>
+            <a:spLocks noGrp="1"/>
+          </p:cNvSpPr>
+          <p:nvPr>
+            <p:ph idx="1"/>
+          </p:nvPr>
+        </p:nvSpPr>
+        <p:spPr/>
+        <p:txBody>
+          <a:bodyPr>
+            <a:normAutofit/>
+          </a:bodyPr>
+          <a:lstStyle/>
+          <a:p>
+            <a:r>
+              <a:rPr lang="zh-CN" altLang="en-US" sz="2400" dirty="0" smtClean="0"/>
+              <a:t>对于</a:t>
+            </a:r>
+            <a:r>
+              <a:rPr lang="en-US" altLang="zh-CN" sz="2400" dirty="0" smtClean="0"/>
+              <a:t>IO</a:t>
+            </a:r>
+            <a:r>
+              <a:rPr lang="zh-CN" altLang="en-US" sz="2400" dirty="0" smtClean="0"/>
+              <a:t>密集型操作，需要频繁的内存拷贝，系统开销</a:t>
+            </a:r>
+            <a:r>
+              <a:rPr lang="zh-CN" altLang="en-US" sz="2400" dirty="0" smtClean="0"/>
+              <a:t>很大</a:t>
+            </a:r>
+            <a:endParaRPr lang="en-US" altLang="zh-CN" sz="2400" dirty="0" smtClean="0"/>
+          </a:p>
+          <a:p>
+            <a:endParaRPr lang="en-US" altLang="zh-CN" sz="2400" dirty="0" smtClean="0"/>
+          </a:p>
+          <a:p>
+            <a:r>
+              <a:rPr lang="zh-CN" altLang="en-US" sz="2400" dirty="0"/>
+              <a:t>对于</a:t>
+            </a:r>
+            <a:r>
+              <a:rPr lang="en-US" altLang="zh-CN" sz="2400" dirty="0"/>
+              <a:t>IO</a:t>
+            </a:r>
+            <a:r>
+              <a:rPr lang="zh-CN" altLang="en-US" sz="2400" dirty="0"/>
+              <a:t>密集型</a:t>
+            </a:r>
+            <a:r>
+              <a:rPr lang="zh-CN" altLang="en-US" sz="2400" dirty="0" smtClean="0"/>
+              <a:t>操作，缓存预读已无实际</a:t>
+            </a:r>
+            <a:r>
+              <a:rPr lang="zh-CN" altLang="en-US" sz="2400" dirty="0" smtClean="0"/>
+              <a:t>意义</a:t>
+            </a:r>
+            <a:endParaRPr lang="en-US" altLang="zh-CN" sz="2400" dirty="0" smtClean="0"/>
+          </a:p>
+          <a:p>
+            <a:endParaRPr lang="en-US" altLang="zh-CN" sz="2400" dirty="0" smtClean="0"/>
+          </a:p>
+          <a:p>
+            <a:r>
+              <a:rPr lang="zh-CN" altLang="en-US" sz="2400" dirty="0"/>
+              <a:t>对于</a:t>
+            </a:r>
+            <a:r>
+              <a:rPr lang="en-US" altLang="zh-CN" sz="2400" dirty="0"/>
+              <a:t>IO</a:t>
+            </a:r>
+            <a:r>
+              <a:rPr lang="zh-CN" altLang="en-US" sz="2400" dirty="0"/>
+              <a:t>密集型</a:t>
+            </a:r>
+            <a:r>
+              <a:rPr lang="zh-CN" altLang="en-US" sz="2400" dirty="0" smtClean="0"/>
+              <a:t>操作，程序在内核态和用户态不停切换，系统开销</a:t>
+            </a:r>
+            <a:r>
+              <a:rPr lang="zh-CN" altLang="en-US" sz="2400" dirty="0" smtClean="0"/>
+              <a:t>较大</a:t>
+            </a:r>
+            <a:endParaRPr lang="en-US" altLang="zh-CN" sz="2400" dirty="0" smtClean="0"/>
+          </a:p>
+          <a:p>
+            <a:endParaRPr lang="en-US" altLang="zh-CN" sz="2400" dirty="0" smtClean="0"/>
+          </a:p>
+          <a:p>
+            <a:r>
+              <a:rPr lang="zh-CN" altLang="en-US" sz="2400" dirty="0"/>
+              <a:t>不</a:t>
+            </a:r>
+            <a:r>
+              <a:rPr lang="zh-CN" altLang="en-US" sz="2400" dirty="0" smtClean="0"/>
+              <a:t>具有原子性，不建议并发读写</a:t>
+            </a:r>
+            <a:endParaRPr lang="zh-CN" altLang="en-US" sz="2400" dirty="0"/>
           </a:p>
         </p:txBody>
       </p:sp>
     </p:spTree>
     <p:extLst>
       <p:ext uri="{BB962C8B-B14F-4D97-AF65-F5344CB8AC3E}">
-        <p14:creationId xmlns:p14="http://schemas.microsoft.com/office/powerpoint/2010/main" val="2789980368"/>
+        <p14:creationId xmlns:p14="http://schemas.microsoft.com/office/powerpoint/2010/main" val="3209186156"/>
       </p:ext>
     </p:extLst>
   </p:cSld>
   <p:clrMapOvr>
     <a:masterClrMapping/>
   </p:clrMapOvr>
+</p:sld>
+</file>
+
+<file path=ppt/slides/slide7.xml><?xml version="1.0" encoding="utf-8"?>
+<p:sld xmlns:a="http://schemas.openxmlformats.org/drawingml/2006/main" xmlns:r="http://schemas.openxmlformats.org/officeDocument/2006/relationships" xmlns:p="http://schemas.openxmlformats.org/presentationml/2006/main">
+  <p:cSld>
+    <p:spTree>
+      <p:nvGrpSpPr>
+        <p:cNvPr id="1" name=""/>
+        <p:cNvGrpSpPr/>
+        <p:nvPr/>
+      </p:nvGrpSpPr>
+      <p:grpSpPr>
+        <a:xfrm>
+          <a:off x="0" y="0"/>
+          <a:ext cx="0" cy="0"/>
+          <a:chOff x="0" y="0"/>
+          <a:chExt cx="0" cy="0"/>
+        </a:xfrm>
+      </p:grpSpPr>
+      <p:sp>
+        <p:nvSpPr>
+          <p:cNvPr id="2" name="标题 1"/>
+          <p:cNvSpPr>
+            <a:spLocks noGrp="1"/>
+          </p:cNvSpPr>
+          <p:nvPr>
+            <p:ph type="title"/>
+          </p:nvPr>
+        </p:nvSpPr>
+        <p:spPr/>
+        <p:txBody>
+          <a:bodyPr>
+            <a:normAutofit/>
+          </a:bodyPr>
+          <a:lstStyle/>
+          <a:p>
+            <a:r>
+              <a:rPr lang="en-US" altLang="zh-CN" dirty="0" err="1"/>
+              <a:t>unbuffered</a:t>
+            </a:r>
+            <a:r>
+              <a:rPr lang="en-US" altLang="zh-CN" dirty="0"/>
+              <a:t> </a:t>
+            </a:r>
+            <a:r>
+              <a:rPr lang="en-US" altLang="zh-CN" dirty="0" smtClean="0"/>
+              <a:t>I/O</a:t>
+            </a:r>
+            <a:endParaRPr lang="zh-CN" altLang="en-US" dirty="0"/>
+          </a:p>
+        </p:txBody>
+      </p:sp>
+      <p:sp>
+        <p:nvSpPr>
+          <p:cNvPr id="3" name="内容占位符 2"/>
+          <p:cNvSpPr>
+            <a:spLocks noGrp="1"/>
+          </p:cNvSpPr>
+          <p:nvPr>
+            <p:ph idx="1"/>
+          </p:nvPr>
+        </p:nvSpPr>
+        <p:spPr>
+          <a:xfrm>
+            <a:off x="457200" y="1484784"/>
+            <a:ext cx="8229600" cy="4641379"/>
+          </a:xfrm>
+        </p:spPr>
+        <p:txBody>
+          <a:bodyPr>
+            <a:normAutofit/>
+          </a:bodyPr>
+          <a:lstStyle/>
+          <a:p>
+            <a:pPr marL="0" indent="0">
+              <a:buNone/>
+            </a:pPr>
+            <a:r>
+              <a:rPr lang="zh-CN" altLang="en-US" sz="2400" dirty="0" smtClean="0"/>
+              <a:t>相对</a:t>
+            </a:r>
+            <a:r>
+              <a:rPr lang="en-US" altLang="zh-CN" sz="2400" dirty="0"/>
+              <a:t>buffered </a:t>
+            </a:r>
+            <a:r>
+              <a:rPr lang="en-US" altLang="zh-CN" sz="2400" dirty="0" smtClean="0"/>
+              <a:t>I/O</a:t>
+            </a:r>
+            <a:r>
+              <a:rPr lang="zh-CN" altLang="en-US" sz="2400" dirty="0" smtClean="0"/>
+              <a:t>而言，不用应用程序不用在用户空间开辟缓冲区，直接使用内核缓冲区。有以下</a:t>
+            </a:r>
+            <a:r>
+              <a:rPr lang="en-US" altLang="zh-CN" sz="2400" dirty="0" smtClean="0"/>
+              <a:t>3</a:t>
+            </a:r>
+            <a:r>
+              <a:rPr lang="zh-CN" altLang="en-US" sz="2400" dirty="0" smtClean="0"/>
+              <a:t>种模式</a:t>
+            </a:r>
+            <a:endParaRPr lang="en-US" altLang="zh-CN" sz="2400" dirty="0" smtClean="0"/>
+          </a:p>
+          <a:p>
+            <a:endParaRPr lang="en-US" altLang="zh-CN" dirty="0"/>
+          </a:p>
+          <a:p>
+            <a:pPr marL="514350" indent="-514350">
+              <a:buFont typeface="+mj-lt"/>
+              <a:buAutoNum type="arabicPeriod"/>
+            </a:pPr>
+            <a:r>
+              <a:rPr lang="zh-CN" altLang="en-US" dirty="0" smtClean="0"/>
+              <a:t>普通模式</a:t>
+            </a:r>
+            <a:r>
+              <a:rPr lang="en-US" altLang="zh-CN" dirty="0"/>
+              <a:t/>
+            </a:r>
+            <a:br>
+              <a:rPr lang="en-US" altLang="zh-CN" dirty="0"/>
+            </a:br>
+            <a:r>
+              <a:rPr lang="zh-CN" altLang="en-US" sz="1800" dirty="0" smtClean="0"/>
+              <a:t>直接对内核缓冲区进行读写</a:t>
+            </a:r>
+            <a:endParaRPr lang="en-US" altLang="zh-CN" sz="1800" dirty="0" smtClean="0"/>
+          </a:p>
+          <a:p>
+            <a:pPr marL="514350" indent="-514350">
+              <a:buFont typeface="+mj-lt"/>
+              <a:buAutoNum type="arabicPeriod"/>
+            </a:pPr>
+            <a:r>
+              <a:rPr lang="zh-CN" altLang="en-US" dirty="0"/>
+              <a:t>内存映射</a:t>
+            </a:r>
+            <a:r>
+              <a:rPr lang="zh-CN" altLang="en-US" dirty="0" smtClean="0"/>
+              <a:t>文件</a:t>
+            </a:r>
+            <a:r>
+              <a:rPr lang="en-US" altLang="zh-CN" dirty="0"/>
+              <a:t/>
+            </a:r>
+            <a:br>
+              <a:rPr lang="en-US" altLang="zh-CN" dirty="0"/>
+            </a:br>
+            <a:r>
+              <a:rPr lang="zh-CN" altLang="en-US" sz="1800" dirty="0" smtClean="0"/>
+              <a:t>内核缓冲区和用户缓冲区使用同一块物理内存</a:t>
+            </a:r>
+            <a:endParaRPr lang="en-US" altLang="zh-CN" sz="1800" dirty="0"/>
+          </a:p>
+          <a:p>
+            <a:pPr marL="514350" indent="-514350">
+              <a:buFont typeface="+mj-lt"/>
+              <a:buAutoNum type="arabicPeriod"/>
+            </a:pPr>
+            <a:r>
+              <a:rPr lang="en-US" altLang="zh-CN" dirty="0" err="1" smtClean="0"/>
+              <a:t>Sendfile</a:t>
+            </a:r>
+            <a:r>
+              <a:rPr lang="zh-CN" altLang="en-US" dirty="0" smtClean="0"/>
+              <a:t>模式</a:t>
+            </a:r>
+            <a:r>
+              <a:rPr lang="en-US" altLang="zh-CN" dirty="0" smtClean="0"/>
+              <a:t/>
+            </a:r>
+            <a:br>
+              <a:rPr lang="en-US" altLang="zh-CN" dirty="0" smtClean="0"/>
+            </a:br>
+            <a:r>
+              <a:rPr lang="zh-CN" altLang="en-US" sz="1800" dirty="0" smtClean="0"/>
+              <a:t>直接把一个内核缓冲区的内容拷贝到另一个内核缓冲区</a:t>
+            </a:r>
+            <a:endParaRPr lang="en-US" altLang="zh-CN" dirty="0"/>
+          </a:p>
+        </p:txBody>
+      </p:sp>
+    </p:spTree>
+    <p:extLst>
+      <p:ext uri="{BB962C8B-B14F-4D97-AF65-F5344CB8AC3E}">
+        <p14:creationId xmlns:p14="http://schemas.microsoft.com/office/powerpoint/2010/main" val="2617766995"/>
+      </p:ext>
+    </p:extLst>
+  </p:cSld>
+  <p:clrMapOvr>
+    <a:masterClrMapping/>
+  </p:clrMapOvr>
+  <p:timing>
+    <p:tnLst>
+      <p:par>
+        <p:cTn id="1" dur="indefinite" restart="never" nodeType="tmRoot"/>
+      </p:par>
+    </p:tnLst>
+  </p:timing>
+</p:sld>
+</file>
+
+<file path=ppt/slides/slide8.xml><?xml version="1.0" encoding="utf-8"?>
+<p:sld xmlns:a="http://schemas.openxmlformats.org/drawingml/2006/main" xmlns:r="http://schemas.openxmlformats.org/officeDocument/2006/relationships" xmlns:p="http://schemas.openxmlformats.org/presentationml/2006/main">
+  <p:cSld>
+    <p:spTree>
+      <p:nvGrpSpPr>
+        <p:cNvPr id="1" name=""/>
+        <p:cNvGrpSpPr/>
+        <p:nvPr/>
+      </p:nvGrpSpPr>
+      <p:grpSpPr>
+        <a:xfrm>
+          <a:off x="0" y="0"/>
+          <a:ext cx="0" cy="0"/>
+          <a:chOff x="0" y="0"/>
+          <a:chExt cx="0" cy="0"/>
+        </a:xfrm>
+      </p:grpSpPr>
+      <p:sp>
+        <p:nvSpPr>
+          <p:cNvPr id="2" name="标题 1"/>
+          <p:cNvSpPr>
+            <a:spLocks noGrp="1"/>
+          </p:cNvSpPr>
+          <p:nvPr>
+            <p:ph type="title"/>
+          </p:nvPr>
+        </p:nvSpPr>
+        <p:spPr/>
+        <p:txBody>
+          <a:bodyPr/>
+          <a:lstStyle/>
+          <a:p>
+            <a:r>
+              <a:rPr lang="en-US" altLang="zh-CN" dirty="0" err="1"/>
+              <a:t>unbuffered</a:t>
+            </a:r>
+            <a:r>
+              <a:rPr lang="en-US" altLang="zh-CN" dirty="0"/>
+              <a:t> I/O</a:t>
+            </a:r>
+            <a:r>
+              <a:rPr lang="zh-CN" altLang="en-US" dirty="0"/>
+              <a:t>的体现</a:t>
+            </a:r>
+          </a:p>
+        </p:txBody>
+      </p:sp>
+      <p:graphicFrame>
+        <p:nvGraphicFramePr>
+          <p:cNvPr id="4" name="表格 3"/>
+          <p:cNvGraphicFramePr>
+            <a:graphicFrameLocks noGrp="1"/>
+          </p:cNvGraphicFramePr>
+          <p:nvPr>
+            <p:extLst>
+              <p:ext uri="{D42A27DB-BD31-4B8C-83A1-F6EECF244321}">
+                <p14:modId xmlns:p14="http://schemas.microsoft.com/office/powerpoint/2010/main" val="1475090301"/>
+              </p:ext>
+            </p:extLst>
+          </p:nvPr>
+        </p:nvGraphicFramePr>
+        <p:xfrm>
+          <a:off x="1115616" y="1556792"/>
+          <a:ext cx="6096000" cy="4665077"/>
+        </p:xfrm>
+        <a:graphic>
+          <a:graphicData uri="http://schemas.openxmlformats.org/drawingml/2006/table">
+            <a:tbl>
+              <a:tblPr firstRow="1" bandRow="1">
+                <a:tableStyleId>{93296810-A885-4BE3-A3E7-6D5BEEA58F35}</a:tableStyleId>
+              </a:tblPr>
+              <a:tblGrid>
+                <a:gridCol w="3048000"/>
+                <a:gridCol w="3048000"/>
+              </a:tblGrid>
+              <a:tr h="421577">
+                <a:tc>
+                  <a:txBody>
+                    <a:bodyPr/>
+                    <a:lstStyle/>
+                    <a:p>
+                      <a:pPr algn="ctr"/>
+                      <a:r>
+                        <a:rPr lang="en-US" altLang="zh-CN" dirty="0" smtClean="0"/>
+                        <a:t>Java </a:t>
+                      </a:r>
+                      <a:r>
+                        <a:rPr lang="en-US" altLang="zh-CN" dirty="0" err="1" smtClean="0"/>
+                        <a:t>nio</a:t>
+                      </a:r>
+                      <a:endParaRPr lang="zh-CN" altLang="en-US" dirty="0"/>
+                    </a:p>
+                  </a:txBody>
+                  <a:tcPr/>
+                </a:tc>
+                <a:tc>
+                  <a:txBody>
+                    <a:bodyPr/>
+                    <a:lstStyle/>
+                    <a:p>
+                      <a:pPr algn="ctr"/>
+                      <a:r>
+                        <a:rPr lang="en-US" altLang="zh-CN" dirty="0" smtClean="0"/>
+                        <a:t>POSIX system call</a:t>
+                      </a:r>
+                      <a:endParaRPr lang="zh-CN" altLang="en-US" dirty="0"/>
+                    </a:p>
+                  </a:txBody>
+                  <a:tcPr/>
+                </a:tc>
+              </a:tr>
+              <a:tr h="421577">
+                <a:tc>
+                  <a:txBody>
+                    <a:bodyPr/>
+                    <a:lstStyle/>
+                    <a:p>
+                      <a:r>
+                        <a:rPr lang="en-US" altLang="zh-CN" sz="1800" dirty="0" err="1" smtClean="0"/>
+                        <a:t>FileChannel.read</a:t>
+                      </a:r>
+                      <a:r>
+                        <a:rPr lang="en-US" altLang="zh-CN" sz="1800" dirty="0" smtClean="0"/>
+                        <a:t>()</a:t>
+                      </a:r>
+                    </a:p>
+                  </a:txBody>
+                  <a:tcPr/>
+                </a:tc>
+                <a:tc>
+                  <a:txBody>
+                    <a:bodyPr/>
+                    <a:lstStyle/>
+                    <a:p>
+                      <a:r>
+                        <a:rPr lang="en-US" altLang="zh-CN" dirty="0" smtClean="0"/>
+                        <a:t>read()</a:t>
+                      </a:r>
+                      <a:endParaRPr lang="zh-CN" altLang="en-US" dirty="0"/>
+                    </a:p>
+                  </a:txBody>
+                  <a:tcPr/>
+                </a:tc>
+              </a:tr>
+              <a:tr h="380982">
+                <a:tc>
+                  <a:txBody>
+                    <a:bodyPr/>
+                    <a:lstStyle/>
+                    <a:p>
+                      <a:r>
+                        <a:rPr lang="en-US" altLang="zh-CN" sz="1800" dirty="0" err="1" smtClean="0"/>
+                        <a:t>FileChannel.write</a:t>
+                      </a:r>
+                      <a:r>
+                        <a:rPr lang="en-US" altLang="zh-CN" sz="1800" dirty="0" smtClean="0"/>
+                        <a:t>()</a:t>
+                      </a:r>
+                    </a:p>
+                  </a:txBody>
+                  <a:tcPr/>
+                </a:tc>
+                <a:tc>
+                  <a:txBody>
+                    <a:bodyPr/>
+                    <a:lstStyle/>
+                    <a:p>
+                      <a:r>
+                        <a:rPr lang="en-US" altLang="zh-CN" dirty="0" smtClean="0"/>
+                        <a:t>write()</a:t>
+                      </a:r>
+                    </a:p>
+                  </a:txBody>
+                  <a:tcPr/>
+                </a:tc>
+              </a:tr>
+              <a:tr h="360040">
+                <a:tc>
+                  <a:txBody>
+                    <a:bodyPr/>
+                    <a:lstStyle/>
+                    <a:p>
+                      <a:pPr marL="0" marR="0" indent="0" algn="l" defTabSz="914400" rtl="0" eaLnBrk="1" fontAlgn="auto" latinLnBrk="0" hangingPunct="1">
+                        <a:lnSpc>
+                          <a:spcPct val="100000"/>
+                        </a:lnSpc>
+                        <a:spcBef>
+                          <a:spcPts val="0"/>
+                        </a:spcBef>
+                        <a:spcAft>
+                          <a:spcPts val="0"/>
+                        </a:spcAft>
+                        <a:buClrTx/>
+                        <a:buSzTx/>
+                        <a:buFontTx/>
+                        <a:buNone/>
+                        <a:tabLst/>
+                        <a:defRPr/>
+                      </a:pPr>
+                      <a:r>
+                        <a:rPr lang="en-US" altLang="zh-CN" sz="1800" dirty="0" err="1" smtClean="0"/>
+                        <a:t>FileChannel.position</a:t>
+                      </a:r>
+                      <a:r>
+                        <a:rPr lang="en-US" altLang="zh-CN" sz="1800" dirty="0" smtClean="0"/>
+                        <a:t>()</a:t>
+                      </a:r>
+                    </a:p>
+                  </a:txBody>
+                  <a:tcPr/>
+                </a:tc>
+                <a:tc>
+                  <a:txBody>
+                    <a:bodyPr/>
+                    <a:lstStyle/>
+                    <a:p>
+                      <a:r>
+                        <a:rPr lang="en-US" altLang="zh-CN" dirty="0" err="1" smtClean="0"/>
+                        <a:t>lseek</a:t>
+                      </a:r>
+                      <a:r>
+                        <a:rPr lang="en-US" altLang="zh-CN" dirty="0" smtClean="0"/>
+                        <a:t>()</a:t>
+                      </a:r>
+                      <a:endParaRPr lang="zh-CN" altLang="en-US" dirty="0"/>
+                    </a:p>
+                  </a:txBody>
+                  <a:tcPr/>
+                </a:tc>
+              </a:tr>
+              <a:tr h="354320">
+                <a:tc>
+                  <a:txBody>
+                    <a:bodyPr/>
+                    <a:lstStyle/>
+                    <a:p>
+                      <a:pPr marL="0" marR="0" indent="0" algn="l" defTabSz="914400" rtl="0" eaLnBrk="1" fontAlgn="auto" latinLnBrk="0" hangingPunct="1">
+                        <a:lnSpc>
+                          <a:spcPct val="100000"/>
+                        </a:lnSpc>
+                        <a:spcBef>
+                          <a:spcPts val="0"/>
+                        </a:spcBef>
+                        <a:spcAft>
+                          <a:spcPts val="0"/>
+                        </a:spcAft>
+                        <a:buClrTx/>
+                        <a:buSzTx/>
+                        <a:buFontTx/>
+                        <a:buNone/>
+                        <a:tabLst/>
+                        <a:defRPr/>
+                      </a:pPr>
+                      <a:r>
+                        <a:rPr lang="en-US" altLang="zh-CN" sz="1800" dirty="0" err="1" smtClean="0"/>
+                        <a:t>FileChannel.force</a:t>
+                      </a:r>
+                      <a:r>
+                        <a:rPr lang="en-US" altLang="zh-CN" sz="1800" dirty="0" smtClean="0"/>
+                        <a:t>()</a:t>
+                      </a:r>
+                    </a:p>
+                  </a:txBody>
+                  <a:tcPr/>
+                </a:tc>
+                <a:tc>
+                  <a:txBody>
+                    <a:bodyPr/>
+                    <a:lstStyle/>
+                    <a:p>
+                      <a:r>
+                        <a:rPr lang="en-US" altLang="zh-CN" sz="1800" dirty="0" err="1" smtClean="0"/>
+                        <a:t>fsync</a:t>
+                      </a:r>
+                      <a:r>
+                        <a:rPr lang="en-US" altLang="zh-CN" sz="1800" dirty="0" smtClean="0"/>
+                        <a:t>()</a:t>
+                      </a:r>
+                      <a:endParaRPr lang="zh-CN" altLang="en-US" dirty="0"/>
+                    </a:p>
+                  </a:txBody>
+                  <a:tcPr/>
+                </a:tc>
+              </a:tr>
+              <a:tr h="421577">
+                <a:tc>
+                  <a:txBody>
+                    <a:bodyPr/>
+                    <a:lstStyle/>
+                    <a:p>
+                      <a:r>
+                        <a:rPr lang="en-US" altLang="zh-CN" sz="1800" dirty="0" err="1" smtClean="0"/>
+                        <a:t>FileChannel.truncate</a:t>
+                      </a:r>
+                      <a:r>
+                        <a:rPr lang="en-US" altLang="zh-CN" sz="1800" dirty="0" smtClean="0"/>
+                        <a:t>()</a:t>
+                      </a:r>
+                      <a:endParaRPr lang="zh-CN" altLang="en-US" dirty="0"/>
+                    </a:p>
+                  </a:txBody>
+                  <a:tcPr/>
+                </a:tc>
+                <a:tc>
+                  <a:txBody>
+                    <a:bodyPr/>
+                    <a:lstStyle/>
+                    <a:p>
+                      <a:r>
+                        <a:rPr lang="en-US" altLang="zh-CN" dirty="0" err="1" smtClean="0"/>
+                        <a:t>setLength</a:t>
+                      </a:r>
+                      <a:r>
+                        <a:rPr lang="en-US" altLang="zh-CN" dirty="0" smtClean="0"/>
+                        <a:t>()</a:t>
+                      </a:r>
+                      <a:endParaRPr lang="zh-CN" altLang="en-US" dirty="0"/>
+                    </a:p>
+                  </a:txBody>
+                  <a:tcPr/>
+                </a:tc>
+              </a:tr>
+              <a:tr h="421577">
+                <a:tc>
+                  <a:txBody>
+                    <a:bodyPr/>
+                    <a:lstStyle/>
+                    <a:p>
+                      <a:r>
+                        <a:rPr lang="en-US" altLang="zh-CN" sz="1800" dirty="0" err="1" smtClean="0"/>
+                        <a:t>FileChannel.transferTo</a:t>
+                      </a:r>
+                      <a:r>
+                        <a:rPr lang="en-US" altLang="zh-CN" sz="1800" dirty="0" smtClean="0"/>
+                        <a:t>(),</a:t>
+                      </a:r>
+                      <a:endParaRPr lang="zh-CN" altLang="en-US" dirty="0"/>
+                    </a:p>
+                  </a:txBody>
+                  <a:tcPr/>
+                </a:tc>
+                <a:tc>
+                  <a:txBody>
+                    <a:bodyPr/>
+                    <a:lstStyle/>
+                    <a:p>
+                      <a:r>
+                        <a:rPr lang="en-US" altLang="zh-CN" sz="1800" dirty="0" err="1" smtClean="0"/>
+                        <a:t>sendfile</a:t>
+                      </a:r>
+                      <a:r>
+                        <a:rPr lang="en-US" altLang="zh-CN" sz="1800" dirty="0" smtClean="0"/>
+                        <a:t>()</a:t>
+                      </a:r>
+                      <a:endParaRPr lang="zh-CN" altLang="en-US" dirty="0"/>
+                    </a:p>
+                  </a:txBody>
+                  <a:tcPr/>
+                </a:tc>
+              </a:tr>
+              <a:tr h="421577">
+                <a:tc>
+                  <a:txBody>
+                    <a:bodyPr/>
+                    <a:lstStyle/>
+                    <a:p>
+                      <a:pPr marL="0" marR="0" indent="0" algn="l" defTabSz="914400" rtl="0" eaLnBrk="1" fontAlgn="auto" latinLnBrk="0" hangingPunct="1">
+                        <a:lnSpc>
+                          <a:spcPct val="100000"/>
+                        </a:lnSpc>
+                        <a:spcBef>
+                          <a:spcPts val="0"/>
+                        </a:spcBef>
+                        <a:spcAft>
+                          <a:spcPts val="0"/>
+                        </a:spcAft>
+                        <a:buClrTx/>
+                        <a:buSzTx/>
+                        <a:buFontTx/>
+                        <a:buNone/>
+                        <a:tabLst/>
+                        <a:defRPr/>
+                      </a:pPr>
+                      <a:r>
+                        <a:rPr lang="en-US" altLang="zh-CN" sz="1800" dirty="0" err="1" smtClean="0"/>
+                        <a:t>FileChannel.close</a:t>
+                      </a:r>
+                      <a:r>
+                        <a:rPr lang="en-US" altLang="zh-CN" sz="1800" dirty="0" smtClean="0"/>
+                        <a:t>()</a:t>
+                      </a:r>
+                      <a:endParaRPr lang="zh-CN" altLang="en-US" u="none" dirty="0"/>
+                    </a:p>
+                  </a:txBody>
+                  <a:tcPr/>
+                </a:tc>
+                <a:tc>
+                  <a:txBody>
+                    <a:bodyPr/>
+                    <a:lstStyle/>
+                    <a:p>
+                      <a:r>
+                        <a:rPr lang="en-US" altLang="zh-CN" dirty="0" smtClean="0"/>
+                        <a:t>close()</a:t>
+                      </a:r>
+                      <a:endParaRPr lang="zh-CN" altLang="en-US" dirty="0"/>
+                    </a:p>
+                  </a:txBody>
+                  <a:tcPr/>
+                </a:tc>
+              </a:tr>
+              <a:tr h="421577">
+                <a:tc>
+                  <a:txBody>
+                    <a:bodyPr/>
+                    <a:lstStyle/>
+                    <a:p>
+                      <a:pPr marL="0" marR="0" indent="0" algn="l" defTabSz="914400" rtl="0" eaLnBrk="1" fontAlgn="auto" latinLnBrk="0" hangingPunct="1">
+                        <a:lnSpc>
+                          <a:spcPct val="100000"/>
+                        </a:lnSpc>
+                        <a:spcBef>
+                          <a:spcPts val="0"/>
+                        </a:spcBef>
+                        <a:spcAft>
+                          <a:spcPts val="0"/>
+                        </a:spcAft>
+                        <a:buClrTx/>
+                        <a:buSzTx/>
+                        <a:buFontTx/>
+                        <a:buNone/>
+                        <a:tabLst/>
+                        <a:defRPr/>
+                      </a:pPr>
+                      <a:r>
+                        <a:rPr lang="en-US" altLang="zh-CN" sz="1800" dirty="0" err="1" smtClean="0"/>
+                        <a:t>FileChannel</a:t>
+                      </a:r>
+                      <a:r>
+                        <a:rPr lang="en-US" altLang="zh-CN" sz="1800" dirty="0" smtClean="0"/>
+                        <a:t>.</a:t>
+                      </a:r>
+                      <a:r>
+                        <a:rPr lang="en-US" altLang="zh-CN" sz="1800" u="sng" kern="1200" dirty="0" smtClean="0">
+                          <a:solidFill>
+                            <a:schemeClr val="dk1"/>
+                          </a:solidFill>
+                          <a:latin typeface="+mn-lt"/>
+                          <a:ea typeface="+mn-ea"/>
+                          <a:cs typeface="+mn-cs"/>
+                        </a:rPr>
+                        <a:t> </a:t>
+                      </a:r>
+                      <a:r>
+                        <a:rPr lang="en-US" altLang="zh-CN" sz="1800" u="none" kern="1200" dirty="0" smtClean="0">
+                          <a:solidFill>
+                            <a:schemeClr val="dk1"/>
+                          </a:solidFill>
+                          <a:latin typeface="+mn-lt"/>
+                          <a:ea typeface="+mn-ea"/>
+                          <a:cs typeface="+mn-cs"/>
+                        </a:rPr>
+                        <a:t>map()</a:t>
+                      </a:r>
+                      <a:endParaRPr lang="zh-CN" altLang="en-US" u="none" dirty="0"/>
+                    </a:p>
+                  </a:txBody>
+                  <a:tcPr/>
+                </a:tc>
+                <a:tc>
+                  <a:txBody>
+                    <a:bodyPr/>
+                    <a:lstStyle/>
+                    <a:p>
+                      <a:r>
+                        <a:rPr lang="en-US" altLang="zh-CN" sz="1800" b="0" i="0" kern="1200" dirty="0" err="1" smtClean="0">
+                          <a:solidFill>
+                            <a:schemeClr val="dk1"/>
+                          </a:solidFill>
+                          <a:effectLst/>
+                          <a:latin typeface="+mn-lt"/>
+                          <a:ea typeface="+mn-ea"/>
+                          <a:cs typeface="+mn-cs"/>
+                        </a:rPr>
+                        <a:t>mmap</a:t>
+                      </a:r>
+                      <a:r>
+                        <a:rPr lang="en-US" altLang="zh-CN" sz="1800" b="0" i="0" kern="1200" dirty="0" smtClean="0">
+                          <a:solidFill>
+                            <a:schemeClr val="dk1"/>
+                          </a:solidFill>
+                          <a:effectLst/>
+                          <a:latin typeface="+mn-lt"/>
+                          <a:ea typeface="+mn-ea"/>
+                          <a:cs typeface="+mn-cs"/>
+                        </a:rPr>
+                        <a:t>()</a:t>
+                      </a:r>
+                      <a:endParaRPr lang="zh-CN" altLang="en-US" dirty="0"/>
+                    </a:p>
+                  </a:txBody>
+                  <a:tcPr/>
+                </a:tc>
+              </a:tr>
+              <a:tr h="657353">
+                <a:tc>
+                  <a:txBody>
+                    <a:bodyPr/>
+                    <a:lstStyle/>
+                    <a:p>
+                      <a:pPr marL="0" marR="0" indent="0" algn="l" defTabSz="914400" rtl="0" eaLnBrk="1" fontAlgn="auto" latinLnBrk="0" hangingPunct="1">
+                        <a:lnSpc>
+                          <a:spcPct val="100000"/>
+                        </a:lnSpc>
+                        <a:spcBef>
+                          <a:spcPts val="0"/>
+                        </a:spcBef>
+                        <a:spcAft>
+                          <a:spcPts val="0"/>
+                        </a:spcAft>
+                        <a:buClrTx/>
+                        <a:buSzTx/>
+                        <a:buFontTx/>
+                        <a:buNone/>
+                        <a:tabLst/>
+                        <a:defRPr/>
+                      </a:pPr>
+                      <a:r>
+                        <a:rPr lang="en-US" altLang="zh-CN" sz="1800" dirty="0" err="1" smtClean="0"/>
+                        <a:t>MappedByteBuffer</a:t>
+                      </a:r>
+                      <a:r>
+                        <a:rPr lang="en-US" altLang="zh-CN" sz="1800" baseline="0" dirty="0" smtClean="0"/>
+                        <a:t> </a:t>
+                      </a:r>
+                      <a:r>
+                        <a:rPr lang="zh-CN" altLang="en-US" sz="1800" baseline="0" dirty="0" smtClean="0"/>
+                        <a:t>以普通的</a:t>
+                      </a:r>
+                      <a:r>
+                        <a:rPr lang="en-US" altLang="zh-CN" sz="1800" baseline="0" dirty="0" err="1" smtClean="0"/>
+                        <a:t>ByteBuffer</a:t>
+                      </a:r>
+                      <a:r>
+                        <a:rPr lang="zh-CN" altLang="en-US" sz="1800" baseline="0" dirty="0" smtClean="0"/>
+                        <a:t>方式读写</a:t>
+                      </a:r>
+                      <a:endParaRPr lang="zh-CN" altLang="en-US" dirty="0" smtClean="0"/>
+                    </a:p>
+                  </a:txBody>
+                  <a:tcPr/>
+                </a:tc>
+                <a:tc>
+                  <a:txBody>
+                    <a:bodyPr/>
+                    <a:lstStyle/>
+                    <a:p>
+                      <a:r>
+                        <a:rPr lang="zh-CN" altLang="en-US" sz="1800" b="0" i="0" kern="1200" dirty="0" smtClean="0">
+                          <a:solidFill>
+                            <a:schemeClr val="dk1"/>
+                          </a:solidFill>
+                          <a:effectLst/>
+                          <a:latin typeface="+mn-lt"/>
+                          <a:ea typeface="+mn-ea"/>
+                          <a:cs typeface="+mn-cs"/>
+                        </a:rPr>
+                        <a:t>用</a:t>
+                      </a:r>
+                      <a:r>
+                        <a:rPr lang="en-US" altLang="zh-CN" sz="1800" b="0" i="0" kern="1200" dirty="0" err="1" smtClean="0">
+                          <a:solidFill>
+                            <a:schemeClr val="dk1"/>
+                          </a:solidFill>
+                          <a:effectLst/>
+                          <a:latin typeface="+mn-lt"/>
+                          <a:ea typeface="+mn-ea"/>
+                          <a:cs typeface="+mn-cs"/>
+                        </a:rPr>
+                        <a:t>Recond</a:t>
+                      </a:r>
+                      <a:r>
+                        <a:rPr lang="en-US" altLang="zh-CN" sz="1800" b="0" i="0" kern="1200" dirty="0" smtClean="0">
+                          <a:solidFill>
+                            <a:schemeClr val="dk1"/>
+                          </a:solidFill>
+                          <a:effectLst/>
+                          <a:latin typeface="+mn-lt"/>
+                          <a:ea typeface="+mn-ea"/>
+                          <a:cs typeface="+mn-cs"/>
+                        </a:rPr>
+                        <a:t> </a:t>
+                      </a:r>
+                      <a:r>
+                        <a:rPr lang="zh-CN" altLang="en-US" sz="1800" b="0" i="0" kern="1200" dirty="0" smtClean="0">
+                          <a:solidFill>
+                            <a:schemeClr val="dk1"/>
+                          </a:solidFill>
+                          <a:effectLst/>
+                          <a:latin typeface="+mn-lt"/>
+                          <a:ea typeface="+mn-ea"/>
+                          <a:cs typeface="+mn-cs"/>
+                        </a:rPr>
+                        <a:t>指针以数组方式访问</a:t>
+                      </a:r>
+                      <a:endParaRPr lang="zh-CN" altLang="en-US" dirty="0"/>
+                    </a:p>
+                  </a:txBody>
+                  <a:tcPr/>
+                </a:tc>
+              </a:tr>
+              <a:tr h="0">
+                <a:tc>
+                  <a:txBody>
+                    <a:bodyPr/>
+                    <a:lstStyle/>
+                    <a:p>
+                      <a:r>
+                        <a:rPr lang="en-US" altLang="zh-CN" sz="1800" dirty="0" err="1" smtClean="0"/>
+                        <a:t>MappedByteBuffer.force</a:t>
+                      </a:r>
+                      <a:r>
+                        <a:rPr lang="en-US" altLang="zh-CN" sz="1800" dirty="0" smtClean="0"/>
+                        <a:t>()</a:t>
+                      </a:r>
+                      <a:endParaRPr lang="zh-CN" altLang="en-US" dirty="0"/>
+                    </a:p>
+                  </a:txBody>
+                  <a:tcPr/>
+                </a:tc>
+                <a:tc>
+                  <a:txBody>
+                    <a:bodyPr/>
+                    <a:lstStyle/>
+                    <a:p>
+                      <a:r>
+                        <a:rPr lang="en-US" altLang="zh-CN" dirty="0" err="1" smtClean="0"/>
+                        <a:t>msysnc</a:t>
+                      </a:r>
+                      <a:endParaRPr lang="zh-CN" altLang="en-US" dirty="0"/>
+                    </a:p>
+                  </a:txBody>
+                  <a:tcPr/>
+                </a:tc>
+              </a:tr>
+            </a:tbl>
+          </a:graphicData>
+        </a:graphic>
+      </p:graphicFrame>
+    </p:spTree>
+    <p:extLst>
+      <p:ext uri="{BB962C8B-B14F-4D97-AF65-F5344CB8AC3E}">
+        <p14:creationId xmlns:p14="http://schemas.microsoft.com/office/powerpoint/2010/main" val="1083093460"/>
+      </p:ext>
+    </p:extLst>
+  </p:cSld>
+  <p:clrMapOvr>
+    <a:masterClrMapping/>
+  </p:clrMapOvr>
+  <p:timing>
+    <p:tnLst>
+      <p:par>
+        <p:cTn id="1" dur="indefinite" restart="never" nodeType="tmRoot"/>
+      </p:par>
+    </p:tnLst>
+  </p:timing>
+</p:sld>
+</file>
+
+<file path=ppt/slides/slide9.xml><?xml version="1.0" encoding="utf-8"?>
+<p:sld xmlns:a="http://schemas.openxmlformats.org/drawingml/2006/main" xmlns:r="http://schemas.openxmlformats.org/officeDocument/2006/relationships" xmlns:p="http://schemas.openxmlformats.org/presentationml/2006/main">
+  <p:cSld>
+    <p:spTree>
+      <p:nvGrpSpPr>
+        <p:cNvPr id="1" name=""/>
+        <p:cNvGrpSpPr/>
+        <p:nvPr/>
+      </p:nvGrpSpPr>
+      <p:grpSpPr>
+        <a:xfrm>
+          <a:off x="0" y="0"/>
+          <a:ext cx="0" cy="0"/>
+          <a:chOff x="0" y="0"/>
+          <a:chExt cx="0" cy="0"/>
+        </a:xfrm>
+      </p:grpSpPr>
+      <p:sp>
+        <p:nvSpPr>
+          <p:cNvPr id="2" name="标题 1"/>
+          <p:cNvSpPr>
+            <a:spLocks noGrp="1"/>
+          </p:cNvSpPr>
+          <p:nvPr>
+            <p:ph type="title"/>
+          </p:nvPr>
+        </p:nvSpPr>
+        <p:spPr/>
+        <p:txBody>
+          <a:bodyPr>
+            <a:normAutofit/>
+          </a:bodyPr>
+          <a:lstStyle/>
+          <a:p>
+            <a:r>
+              <a:rPr lang="zh-CN" altLang="en-US" dirty="0"/>
+              <a:t>直接</a:t>
+            </a:r>
+            <a:r>
+              <a:rPr lang="en-US" altLang="zh-CN" dirty="0" smtClean="0"/>
+              <a:t>IO</a:t>
+            </a:r>
+            <a:endParaRPr lang="zh-CN" altLang="en-US" dirty="0"/>
+          </a:p>
+        </p:txBody>
+      </p:sp>
+      <p:sp>
+        <p:nvSpPr>
+          <p:cNvPr id="3" name="内容占位符 2"/>
+          <p:cNvSpPr>
+            <a:spLocks noGrp="1"/>
+          </p:cNvSpPr>
+          <p:nvPr>
+            <p:ph idx="1"/>
+          </p:nvPr>
+        </p:nvSpPr>
+        <p:spPr/>
+        <p:txBody>
+          <a:bodyPr>
+            <a:normAutofit/>
+          </a:bodyPr>
+          <a:lstStyle/>
+          <a:p>
+            <a:r>
+              <a:rPr lang="zh-CN" altLang="en-US" sz="2800" dirty="0" smtClean="0"/>
+              <a:t>既不用用户缓冲区也不用内核缓冲区</a:t>
+            </a:r>
+            <a:endParaRPr lang="zh-CN" altLang="en-US" sz="2800" dirty="0"/>
+          </a:p>
+        </p:txBody>
+      </p:sp>
+    </p:spTree>
+    <p:extLst>
+      <p:ext uri="{BB962C8B-B14F-4D97-AF65-F5344CB8AC3E}">
+        <p14:creationId xmlns:p14="http://schemas.microsoft.com/office/powerpoint/2010/main" val="2575927047"/>
+      </p:ext>
+    </p:extLst>
+  </p:cSld>
+  <p:clrMapOvr>
+    <a:masterClrMapping/>
+  </p:clrMapOvr>
+  <p:timing>
+    <p:tnLst>
+      <p:par>
+        <p:cTn id="1" dur="indefinite" restart="never" nodeType="tmRoot"/>
+      </p:par>
+    </p:tnLst>
+  </p:timing>
 </p:sld>
 </file>
 
